--- a/Notes.pptx
+++ b/Notes.pptx
@@ -5,7 +5,7 @@
     <p:sldMasterId id="2147483648" r:id="rId1"/>
   </p:sldMasterIdLst>
   <p:notesMasterIdLst>
-    <p:notesMasterId r:id="rId29"/>
+    <p:notesMasterId r:id="rId33"/>
   </p:notesMasterIdLst>
   <p:sldIdLst>
     <p:sldId id="256" r:id="rId2"/>
@@ -35,6 +35,10 @@
     <p:sldId id="281" r:id="rId26"/>
     <p:sldId id="282" r:id="rId27"/>
     <p:sldId id="283" r:id="rId28"/>
+    <p:sldId id="284" r:id="rId29"/>
+    <p:sldId id="285" r:id="rId30"/>
+    <p:sldId id="286" r:id="rId31"/>
+    <p:sldId id="287" r:id="rId32"/>
   </p:sldIdLst>
   <p:sldSz cx="12192000" cy="6858000"/>
   <p:notesSz cx="6858000" cy="9144000"/>
@@ -787,6 +791,330 @@
     <p:extLst>
       <p:ext uri="{BB962C8B-B14F-4D97-AF65-F5344CB8AC3E}">
         <p14:creationId xmlns:p14="http://schemas.microsoft.com/office/powerpoint/2010/main" val="4166582306"/>
+      </p:ext>
+    </p:extLst>
+  </p:cSld>
+  <p:clrMapOvr>
+    <a:masterClrMapping/>
+  </p:clrMapOvr>
+</p:notes>
+</file>
+
+<file path=ppt/notesSlides/notesSlide3.xml><?xml version="1.0" encoding="utf-8"?>
+<p:notes xmlns:a="http://schemas.openxmlformats.org/drawingml/2006/main" xmlns:r="http://schemas.openxmlformats.org/officeDocument/2006/relationships" xmlns:p="http://schemas.openxmlformats.org/presentationml/2006/main">
+  <p:cSld>
+    <p:spTree>
+      <p:nvGrpSpPr>
+        <p:cNvPr id="1" name="">
+          <a:extLst>
+            <a:ext uri="{FF2B5EF4-FFF2-40B4-BE49-F238E27FC236}">
+              <a16:creationId xmlns:a16="http://schemas.microsoft.com/office/drawing/2014/main" id="{ABC2FB9A-17C8-8F26-F8B9-F9A3D4864943}"/>
+            </a:ext>
+          </a:extLst>
+        </p:cNvPr>
+        <p:cNvGrpSpPr/>
+        <p:nvPr/>
+      </p:nvGrpSpPr>
+      <p:grpSpPr>
+        <a:xfrm>
+          <a:off x="0" y="0"/>
+          <a:ext cx="0" cy="0"/>
+          <a:chOff x="0" y="0"/>
+          <a:chExt cx="0" cy="0"/>
+        </a:xfrm>
+      </p:grpSpPr>
+      <p:sp>
+        <p:nvSpPr>
+          <p:cNvPr id="2" name="Slide Image Placeholder 1">
+            <a:extLst>
+              <a:ext uri="{FF2B5EF4-FFF2-40B4-BE49-F238E27FC236}">
+                <a16:creationId xmlns:a16="http://schemas.microsoft.com/office/drawing/2014/main" id="{450B8E36-E1DC-AB18-9F01-71AD3363DB27}"/>
+              </a:ext>
+            </a:extLst>
+          </p:cNvPr>
+          <p:cNvSpPr>
+            <a:spLocks noGrp="1" noRot="1" noChangeAspect="1"/>
+          </p:cNvSpPr>
+          <p:nvPr>
+            <p:ph type="sldImg"/>
+          </p:nvPr>
+        </p:nvSpPr>
+        <p:spPr/>
+      </p:sp>
+      <p:sp>
+        <p:nvSpPr>
+          <p:cNvPr id="3" name="Notes Placeholder 2">
+            <a:extLst>
+              <a:ext uri="{FF2B5EF4-FFF2-40B4-BE49-F238E27FC236}">
+                <a16:creationId xmlns:a16="http://schemas.microsoft.com/office/drawing/2014/main" id="{0BBFA70C-0815-2899-A910-751160C905E6}"/>
+              </a:ext>
+            </a:extLst>
+          </p:cNvPr>
+          <p:cNvSpPr>
+            <a:spLocks noGrp="1"/>
+          </p:cNvSpPr>
+          <p:nvPr>
+            <p:ph type="body" idx="1"/>
+          </p:nvPr>
+        </p:nvSpPr>
+        <p:spPr/>
+        <p:txBody>
+          <a:bodyPr/>
+          <a:lstStyle/>
+          <a:p>
+            <a:endParaRPr lang="en-IN" dirty="0"/>
+          </a:p>
+        </p:txBody>
+      </p:sp>
+      <p:sp>
+        <p:nvSpPr>
+          <p:cNvPr id="4" name="Slide Number Placeholder 3">
+            <a:extLst>
+              <a:ext uri="{FF2B5EF4-FFF2-40B4-BE49-F238E27FC236}">
+                <a16:creationId xmlns:a16="http://schemas.microsoft.com/office/drawing/2014/main" id="{EF8A55E1-484D-B6E3-DB2D-40354868A5F1}"/>
+              </a:ext>
+            </a:extLst>
+          </p:cNvPr>
+          <p:cNvSpPr>
+            <a:spLocks noGrp="1"/>
+          </p:cNvSpPr>
+          <p:nvPr>
+            <p:ph type="sldNum" sz="quarter" idx="5"/>
+          </p:nvPr>
+        </p:nvSpPr>
+        <p:spPr/>
+        <p:txBody>
+          <a:bodyPr/>
+          <a:lstStyle/>
+          <a:p>
+            <a:fld id="{44F07A4A-FA57-450B-99E5-4FB2FA3498D5}" type="slidenum">
+              <a:rPr lang="en-IN" smtClean="0"/>
+              <a:t>29</a:t>
+            </a:fld>
+            <a:endParaRPr lang="en-IN"/>
+          </a:p>
+        </p:txBody>
+      </p:sp>
+    </p:spTree>
+    <p:extLst>
+      <p:ext uri="{BB962C8B-B14F-4D97-AF65-F5344CB8AC3E}">
+        <p14:creationId xmlns:p14="http://schemas.microsoft.com/office/powerpoint/2010/main" val="2394398954"/>
+      </p:ext>
+    </p:extLst>
+  </p:cSld>
+  <p:clrMapOvr>
+    <a:masterClrMapping/>
+  </p:clrMapOvr>
+</p:notes>
+</file>
+
+<file path=ppt/notesSlides/notesSlide4.xml><?xml version="1.0" encoding="utf-8"?>
+<p:notes xmlns:a="http://schemas.openxmlformats.org/drawingml/2006/main" xmlns:r="http://schemas.openxmlformats.org/officeDocument/2006/relationships" xmlns:p="http://schemas.openxmlformats.org/presentationml/2006/main">
+  <p:cSld>
+    <p:spTree>
+      <p:nvGrpSpPr>
+        <p:cNvPr id="1" name="">
+          <a:extLst>
+            <a:ext uri="{FF2B5EF4-FFF2-40B4-BE49-F238E27FC236}">
+              <a16:creationId xmlns:a16="http://schemas.microsoft.com/office/drawing/2014/main" id="{FA6691AA-AB44-8867-C002-8B6FD73A3FFD}"/>
+            </a:ext>
+          </a:extLst>
+        </p:cNvPr>
+        <p:cNvGrpSpPr/>
+        <p:nvPr/>
+      </p:nvGrpSpPr>
+      <p:grpSpPr>
+        <a:xfrm>
+          <a:off x="0" y="0"/>
+          <a:ext cx="0" cy="0"/>
+          <a:chOff x="0" y="0"/>
+          <a:chExt cx="0" cy="0"/>
+        </a:xfrm>
+      </p:grpSpPr>
+      <p:sp>
+        <p:nvSpPr>
+          <p:cNvPr id="2" name="Slide Image Placeholder 1">
+            <a:extLst>
+              <a:ext uri="{FF2B5EF4-FFF2-40B4-BE49-F238E27FC236}">
+                <a16:creationId xmlns:a16="http://schemas.microsoft.com/office/drawing/2014/main" id="{F45E59DC-2B70-D1EF-B8D5-85E6AE84E1E9}"/>
+              </a:ext>
+            </a:extLst>
+          </p:cNvPr>
+          <p:cNvSpPr>
+            <a:spLocks noGrp="1" noRot="1" noChangeAspect="1"/>
+          </p:cNvSpPr>
+          <p:nvPr>
+            <p:ph type="sldImg"/>
+          </p:nvPr>
+        </p:nvSpPr>
+        <p:spPr/>
+      </p:sp>
+      <p:sp>
+        <p:nvSpPr>
+          <p:cNvPr id="3" name="Notes Placeholder 2">
+            <a:extLst>
+              <a:ext uri="{FF2B5EF4-FFF2-40B4-BE49-F238E27FC236}">
+                <a16:creationId xmlns:a16="http://schemas.microsoft.com/office/drawing/2014/main" id="{2A9A62D9-252E-215C-AE5B-66E01BF0605F}"/>
+              </a:ext>
+            </a:extLst>
+          </p:cNvPr>
+          <p:cNvSpPr>
+            <a:spLocks noGrp="1"/>
+          </p:cNvSpPr>
+          <p:nvPr>
+            <p:ph type="body" idx="1"/>
+          </p:nvPr>
+        </p:nvSpPr>
+        <p:spPr/>
+        <p:txBody>
+          <a:bodyPr/>
+          <a:lstStyle/>
+          <a:p>
+            <a:endParaRPr lang="en-IN" dirty="0"/>
+          </a:p>
+        </p:txBody>
+      </p:sp>
+      <p:sp>
+        <p:nvSpPr>
+          <p:cNvPr id="4" name="Slide Number Placeholder 3">
+            <a:extLst>
+              <a:ext uri="{FF2B5EF4-FFF2-40B4-BE49-F238E27FC236}">
+                <a16:creationId xmlns:a16="http://schemas.microsoft.com/office/drawing/2014/main" id="{18A0CCCA-8AD2-0416-1D87-5DEAC204D437}"/>
+              </a:ext>
+            </a:extLst>
+          </p:cNvPr>
+          <p:cNvSpPr>
+            <a:spLocks noGrp="1"/>
+          </p:cNvSpPr>
+          <p:nvPr>
+            <p:ph type="sldNum" sz="quarter" idx="5"/>
+          </p:nvPr>
+        </p:nvSpPr>
+        <p:spPr/>
+        <p:txBody>
+          <a:bodyPr/>
+          <a:lstStyle/>
+          <a:p>
+            <a:fld id="{44F07A4A-FA57-450B-99E5-4FB2FA3498D5}" type="slidenum">
+              <a:rPr lang="en-IN" smtClean="0"/>
+              <a:t>30</a:t>
+            </a:fld>
+            <a:endParaRPr lang="en-IN"/>
+          </a:p>
+        </p:txBody>
+      </p:sp>
+    </p:spTree>
+    <p:extLst>
+      <p:ext uri="{BB962C8B-B14F-4D97-AF65-F5344CB8AC3E}">
+        <p14:creationId xmlns:p14="http://schemas.microsoft.com/office/powerpoint/2010/main" val="2138773590"/>
+      </p:ext>
+    </p:extLst>
+  </p:cSld>
+  <p:clrMapOvr>
+    <a:masterClrMapping/>
+  </p:clrMapOvr>
+</p:notes>
+</file>
+
+<file path=ppt/notesSlides/notesSlide5.xml><?xml version="1.0" encoding="utf-8"?>
+<p:notes xmlns:a="http://schemas.openxmlformats.org/drawingml/2006/main" xmlns:r="http://schemas.openxmlformats.org/officeDocument/2006/relationships" xmlns:p="http://schemas.openxmlformats.org/presentationml/2006/main">
+  <p:cSld>
+    <p:spTree>
+      <p:nvGrpSpPr>
+        <p:cNvPr id="1" name="">
+          <a:extLst>
+            <a:ext uri="{FF2B5EF4-FFF2-40B4-BE49-F238E27FC236}">
+              <a16:creationId xmlns:a16="http://schemas.microsoft.com/office/drawing/2014/main" id="{57B85439-99A4-7571-907D-22F216E6C8AC}"/>
+            </a:ext>
+          </a:extLst>
+        </p:cNvPr>
+        <p:cNvGrpSpPr/>
+        <p:nvPr/>
+      </p:nvGrpSpPr>
+      <p:grpSpPr>
+        <a:xfrm>
+          <a:off x="0" y="0"/>
+          <a:ext cx="0" cy="0"/>
+          <a:chOff x="0" y="0"/>
+          <a:chExt cx="0" cy="0"/>
+        </a:xfrm>
+      </p:grpSpPr>
+      <p:sp>
+        <p:nvSpPr>
+          <p:cNvPr id="2" name="Slide Image Placeholder 1">
+            <a:extLst>
+              <a:ext uri="{FF2B5EF4-FFF2-40B4-BE49-F238E27FC236}">
+                <a16:creationId xmlns:a16="http://schemas.microsoft.com/office/drawing/2014/main" id="{85DC18BD-A890-C369-ACB5-41DF1041516F}"/>
+              </a:ext>
+            </a:extLst>
+          </p:cNvPr>
+          <p:cNvSpPr>
+            <a:spLocks noGrp="1" noRot="1" noChangeAspect="1"/>
+          </p:cNvSpPr>
+          <p:nvPr>
+            <p:ph type="sldImg"/>
+          </p:nvPr>
+        </p:nvSpPr>
+        <p:spPr/>
+      </p:sp>
+      <p:sp>
+        <p:nvSpPr>
+          <p:cNvPr id="3" name="Notes Placeholder 2">
+            <a:extLst>
+              <a:ext uri="{FF2B5EF4-FFF2-40B4-BE49-F238E27FC236}">
+                <a16:creationId xmlns:a16="http://schemas.microsoft.com/office/drawing/2014/main" id="{3AE6F0AA-2E43-ABBC-50AC-73CCFBD55B20}"/>
+              </a:ext>
+            </a:extLst>
+          </p:cNvPr>
+          <p:cNvSpPr>
+            <a:spLocks noGrp="1"/>
+          </p:cNvSpPr>
+          <p:nvPr>
+            <p:ph type="body" idx="1"/>
+          </p:nvPr>
+        </p:nvSpPr>
+        <p:spPr/>
+        <p:txBody>
+          <a:bodyPr/>
+          <a:lstStyle/>
+          <a:p>
+            <a:endParaRPr lang="en-IN" dirty="0"/>
+          </a:p>
+        </p:txBody>
+      </p:sp>
+      <p:sp>
+        <p:nvSpPr>
+          <p:cNvPr id="4" name="Slide Number Placeholder 3">
+            <a:extLst>
+              <a:ext uri="{FF2B5EF4-FFF2-40B4-BE49-F238E27FC236}">
+                <a16:creationId xmlns:a16="http://schemas.microsoft.com/office/drawing/2014/main" id="{73F025B0-2462-60C7-7061-4B6275272360}"/>
+              </a:ext>
+            </a:extLst>
+          </p:cNvPr>
+          <p:cNvSpPr>
+            <a:spLocks noGrp="1"/>
+          </p:cNvSpPr>
+          <p:nvPr>
+            <p:ph type="sldNum" sz="quarter" idx="5"/>
+          </p:nvPr>
+        </p:nvSpPr>
+        <p:spPr/>
+        <p:txBody>
+          <a:bodyPr/>
+          <a:lstStyle/>
+          <a:p>
+            <a:fld id="{44F07A4A-FA57-450B-99E5-4FB2FA3498D5}" type="slidenum">
+              <a:rPr lang="en-IN" smtClean="0"/>
+              <a:t>31</a:t>
+            </a:fld>
+            <a:endParaRPr lang="en-IN"/>
+          </a:p>
+        </p:txBody>
+      </p:sp>
+    </p:spTree>
+    <p:extLst>
+      <p:ext uri="{BB962C8B-B14F-4D97-AF65-F5344CB8AC3E}">
+        <p14:creationId xmlns:p14="http://schemas.microsoft.com/office/powerpoint/2010/main" val="2706322828"/>
       </p:ext>
     </p:extLst>
   </p:cSld>
@@ -5871,13 +6199,13 @@
   <p:clrMapOvr>
     <a:masterClrMapping/>
   </p:clrMapOvr>
-  <mc:AlternateContent xmlns:mc="http://schemas.openxmlformats.org/markup-compatibility/2006">
-    <mc:Choice xmlns:p14="http://schemas.microsoft.com/office/powerpoint/2010/main" Requires="p14">
+  <mc:AlternateContent xmlns:mc="http://schemas.openxmlformats.org/markup-compatibility/2006" xmlns:p14="http://schemas.microsoft.com/office/powerpoint/2010/main">
+    <mc:Choice Requires="p14">
       <p:transition spd="slow" p14:dur="1500">
         <p:split orient="vert"/>
       </p:transition>
     </mc:Choice>
-    <mc:Fallback>
+    <mc:Fallback xmlns="">
       <p:transition spd="slow">
         <p:split orient="vert"/>
       </p:transition>
@@ -7450,13 +7778,13 @@
   <p:clrMapOvr>
     <a:masterClrMapping/>
   </p:clrMapOvr>
-  <mc:AlternateContent xmlns:mc="http://schemas.openxmlformats.org/markup-compatibility/2006">
-    <mc:Choice xmlns:p14="http://schemas.microsoft.com/office/powerpoint/2010/main" Requires="p14">
+  <mc:AlternateContent xmlns:mc="http://schemas.openxmlformats.org/markup-compatibility/2006" xmlns:p14="http://schemas.microsoft.com/office/powerpoint/2010/main">
+    <mc:Choice Requires="p14">
       <p:transition spd="slow" p14:dur="1500">
         <p:split orient="vert"/>
       </p:transition>
     </mc:Choice>
-    <mc:Fallback>
+    <mc:Fallback xmlns="">
       <p:transition spd="slow">
         <p:split orient="vert"/>
       </p:transition>
@@ -7877,13 +8205,13 @@
   <p:clrMapOvr>
     <a:masterClrMapping/>
   </p:clrMapOvr>
-  <mc:AlternateContent xmlns:mc="http://schemas.openxmlformats.org/markup-compatibility/2006">
-    <mc:Choice xmlns:p14="http://schemas.microsoft.com/office/powerpoint/2010/main" Requires="p14">
+  <mc:AlternateContent xmlns:mc="http://schemas.openxmlformats.org/markup-compatibility/2006" xmlns:p14="http://schemas.microsoft.com/office/powerpoint/2010/main">
+    <mc:Choice Requires="p14">
       <p:transition spd="slow" p14:dur="1500">
         <p:split orient="vert"/>
       </p:transition>
     </mc:Choice>
-    <mc:Fallback>
+    <mc:Fallback xmlns="">
       <p:transition spd="slow">
         <p:split orient="vert"/>
       </p:transition>
@@ -9363,13 +9691,13 @@
   <p:clrMapOvr>
     <a:masterClrMapping/>
   </p:clrMapOvr>
-  <mc:AlternateContent xmlns:mc="http://schemas.openxmlformats.org/markup-compatibility/2006">
-    <mc:Choice xmlns:p14="http://schemas.microsoft.com/office/powerpoint/2010/main" Requires="p14">
+  <mc:AlternateContent xmlns:mc="http://schemas.openxmlformats.org/markup-compatibility/2006" xmlns:p14="http://schemas.microsoft.com/office/powerpoint/2010/main">
+    <mc:Choice Requires="p14">
       <p:transition spd="slow" p14:dur="1500">
         <p:split orient="vert"/>
       </p:transition>
     </mc:Choice>
-    <mc:Fallback>
+    <mc:Fallback xmlns="">
       <p:transition spd="slow">
         <p:split orient="vert"/>
       </p:transition>
@@ -9995,13 +10323,13 @@
   <p:clrMapOvr>
     <a:masterClrMapping/>
   </p:clrMapOvr>
-  <mc:AlternateContent xmlns:mc="http://schemas.openxmlformats.org/markup-compatibility/2006">
-    <mc:Choice xmlns:p14="http://schemas.microsoft.com/office/powerpoint/2010/main" Requires="p14">
+  <mc:AlternateContent xmlns:mc="http://schemas.openxmlformats.org/markup-compatibility/2006" xmlns:p14="http://schemas.microsoft.com/office/powerpoint/2010/main">
+    <mc:Choice Requires="p14">
       <p:transition spd="slow" p14:dur="1500">
         <p:split orient="vert"/>
       </p:transition>
     </mc:Choice>
-    <mc:Fallback>
+    <mc:Fallback xmlns="">
       <p:transition spd="slow">
         <p:split orient="vert"/>
       </p:transition>
@@ -11705,13 +12033,13 @@
   <p:clrMapOvr>
     <a:masterClrMapping/>
   </p:clrMapOvr>
-  <mc:AlternateContent xmlns:mc="http://schemas.openxmlformats.org/markup-compatibility/2006">
-    <mc:Choice xmlns:p14="http://schemas.microsoft.com/office/powerpoint/2010/main" Requires="p14">
+  <mc:AlternateContent xmlns:mc="http://schemas.openxmlformats.org/markup-compatibility/2006" xmlns:p14="http://schemas.microsoft.com/office/powerpoint/2010/main">
+    <mc:Choice Requires="p14">
       <p:transition spd="slow" p14:dur="1500">
         <p:split orient="vert"/>
       </p:transition>
     </mc:Choice>
-    <mc:Fallback>
+    <mc:Fallback xmlns="">
       <p:transition spd="slow">
         <p:split orient="vert"/>
       </p:transition>
@@ -12146,13 +12474,13 @@
   <p:clrMapOvr>
     <a:masterClrMapping/>
   </p:clrMapOvr>
-  <mc:AlternateContent xmlns:mc="http://schemas.openxmlformats.org/markup-compatibility/2006">
-    <mc:Choice xmlns:p14="http://schemas.microsoft.com/office/powerpoint/2010/main" Requires="p14">
+  <mc:AlternateContent xmlns:mc="http://schemas.openxmlformats.org/markup-compatibility/2006" xmlns:p14="http://schemas.microsoft.com/office/powerpoint/2010/main">
+    <mc:Choice Requires="p14">
       <p:transition spd="slow" p14:dur="1500">
         <p:split orient="vert"/>
       </p:transition>
     </mc:Choice>
-    <mc:Fallback>
+    <mc:Fallback xmlns="">
       <p:transition spd="slow">
         <p:split orient="vert"/>
       </p:transition>
@@ -13095,13 +13423,13 @@
   <p:clrMapOvr>
     <a:masterClrMapping/>
   </p:clrMapOvr>
-  <mc:AlternateContent xmlns:mc="http://schemas.openxmlformats.org/markup-compatibility/2006">
-    <mc:Choice xmlns:p14="http://schemas.microsoft.com/office/powerpoint/2010/main" Requires="p14">
+  <mc:AlternateContent xmlns:mc="http://schemas.openxmlformats.org/markup-compatibility/2006" xmlns:p14="http://schemas.microsoft.com/office/powerpoint/2010/main">
+    <mc:Choice Requires="p14">
       <p:transition spd="slow" p14:dur="1500">
         <p:split orient="vert"/>
       </p:transition>
     </mc:Choice>
-    <mc:Fallback>
+    <mc:Fallback xmlns="">
       <p:transition spd="slow">
         <p:split orient="vert"/>
       </p:transition>
@@ -14797,13 +15125,13 @@
   <p:clrMapOvr>
     <a:masterClrMapping/>
   </p:clrMapOvr>
-  <mc:AlternateContent xmlns:mc="http://schemas.openxmlformats.org/markup-compatibility/2006">
-    <mc:Choice xmlns:p14="http://schemas.microsoft.com/office/powerpoint/2010/main" Requires="p14">
+  <mc:AlternateContent xmlns:mc="http://schemas.openxmlformats.org/markup-compatibility/2006" xmlns:p14="http://schemas.microsoft.com/office/powerpoint/2010/main">
+    <mc:Choice Requires="p14">
       <p:transition spd="slow" p14:dur="1500">
         <p:split orient="vert"/>
       </p:transition>
     </mc:Choice>
-    <mc:Fallback>
+    <mc:Fallback xmlns="">
       <p:transition spd="slow">
         <p:split orient="vert"/>
       </p:transition>
@@ -16948,13 +17276,13 @@
   <p:clrMapOvr>
     <a:masterClrMapping/>
   </p:clrMapOvr>
-  <mc:AlternateContent xmlns:mc="http://schemas.openxmlformats.org/markup-compatibility/2006">
-    <mc:Choice xmlns:p14="http://schemas.microsoft.com/office/powerpoint/2010/main" Requires="p14">
+  <mc:AlternateContent xmlns:mc="http://schemas.openxmlformats.org/markup-compatibility/2006" xmlns:p14="http://schemas.microsoft.com/office/powerpoint/2010/main">
+    <mc:Choice Requires="p14">
       <p:transition spd="slow" p14:dur="1500">
         <p:split orient="vert"/>
       </p:transition>
     </mc:Choice>
-    <mc:Fallback>
+    <mc:Fallback xmlns="">
       <p:transition spd="slow">
         <p:split orient="vert"/>
       </p:transition>
@@ -17939,13 +18267,13 @@
   <p:clrMapOvr>
     <a:masterClrMapping/>
   </p:clrMapOvr>
-  <mc:AlternateContent xmlns:mc="http://schemas.openxmlformats.org/markup-compatibility/2006">
-    <mc:Choice xmlns:p14="http://schemas.microsoft.com/office/powerpoint/2010/main" Requires="p14">
+  <mc:AlternateContent xmlns:mc="http://schemas.openxmlformats.org/markup-compatibility/2006" xmlns:p14="http://schemas.microsoft.com/office/powerpoint/2010/main">
+    <mc:Choice Requires="p14">
       <p:transition spd="slow" p14:dur="1500">
         <p:split orient="vert"/>
       </p:transition>
     </mc:Choice>
-    <mc:Fallback>
+    <mc:Fallback xmlns="">
       <p:transition spd="slow">
         <p:split orient="vert"/>
       </p:transition>
@@ -19146,13 +19474,13 @@
   <p:clrMapOvr>
     <a:masterClrMapping/>
   </p:clrMapOvr>
-  <mc:AlternateContent xmlns:mc="http://schemas.openxmlformats.org/markup-compatibility/2006">
-    <mc:Choice xmlns:p14="http://schemas.microsoft.com/office/powerpoint/2010/main" Requires="p14">
+  <mc:AlternateContent xmlns:mc="http://schemas.openxmlformats.org/markup-compatibility/2006" xmlns:p14="http://schemas.microsoft.com/office/powerpoint/2010/main">
+    <mc:Choice Requires="p14">
       <p:transition spd="slow" p14:dur="1500">
         <p:split orient="vert"/>
       </p:transition>
     </mc:Choice>
-    <mc:Fallback>
+    <mc:Fallback xmlns="">
       <p:transition spd="slow">
         <p:split orient="vert"/>
       </p:transition>
@@ -19630,13 +19958,13 @@
   <p:clrMapOvr>
     <a:masterClrMapping/>
   </p:clrMapOvr>
-  <mc:AlternateContent xmlns:mc="http://schemas.openxmlformats.org/markup-compatibility/2006">
-    <mc:Choice xmlns:p14="http://schemas.microsoft.com/office/powerpoint/2010/main" Requires="p14">
+  <mc:AlternateContent xmlns:mc="http://schemas.openxmlformats.org/markup-compatibility/2006" xmlns:p14="http://schemas.microsoft.com/office/powerpoint/2010/main">
+    <mc:Choice Requires="p14">
       <p:transition spd="slow" p14:dur="1500">
         <p:split orient="vert"/>
       </p:transition>
     </mc:Choice>
-    <mc:Fallback>
+    <mc:Fallback xmlns="">
       <p:transition spd="slow">
         <p:split orient="vert"/>
       </p:transition>
@@ -21564,13 +21892,13 @@
   <p:clrMapOvr>
     <a:masterClrMapping/>
   </p:clrMapOvr>
-  <mc:AlternateContent xmlns:mc="http://schemas.openxmlformats.org/markup-compatibility/2006">
-    <mc:Choice xmlns:p14="http://schemas.microsoft.com/office/powerpoint/2010/main" Requires="p14">
+  <mc:AlternateContent xmlns:mc="http://schemas.openxmlformats.org/markup-compatibility/2006" xmlns:p14="http://schemas.microsoft.com/office/powerpoint/2010/main">
+    <mc:Choice Requires="p14">
       <p:transition spd="slow" p14:dur="1500">
         <p:split orient="vert"/>
       </p:transition>
     </mc:Choice>
-    <mc:Fallback>
+    <mc:Fallback xmlns="">
       <p:transition spd="slow">
         <p:split orient="vert"/>
       </p:transition>
@@ -21864,6 +22192,868 @@
 </p:sld>
 </file>
 
+<file path=ppt/slides/slide28.xml><?xml version="1.0" encoding="utf-8"?>
+<p:sld xmlns:a="http://schemas.openxmlformats.org/drawingml/2006/main" xmlns:r="http://schemas.openxmlformats.org/officeDocument/2006/relationships" xmlns:p="http://schemas.openxmlformats.org/presentationml/2006/main">
+  <p:cSld>
+    <p:spTree>
+      <p:nvGrpSpPr>
+        <p:cNvPr id="1" name="">
+          <a:extLst>
+            <a:ext uri="{FF2B5EF4-FFF2-40B4-BE49-F238E27FC236}">
+              <a16:creationId xmlns:a16="http://schemas.microsoft.com/office/drawing/2014/main" id="{1C05A8F2-C892-3ADD-2F74-74D557896C94}"/>
+            </a:ext>
+          </a:extLst>
+        </p:cNvPr>
+        <p:cNvGrpSpPr/>
+        <p:nvPr/>
+      </p:nvGrpSpPr>
+      <p:grpSpPr>
+        <a:xfrm>
+          <a:off x="0" y="0"/>
+          <a:ext cx="0" cy="0"/>
+          <a:chOff x="0" y="0"/>
+          <a:chExt cx="0" cy="0"/>
+        </a:xfrm>
+      </p:grpSpPr>
+      <p:sp>
+        <p:nvSpPr>
+          <p:cNvPr id="4" name="Rectangle 3">
+            <a:extLst>
+              <a:ext uri="{FF2B5EF4-FFF2-40B4-BE49-F238E27FC236}">
+                <a16:creationId xmlns:a16="http://schemas.microsoft.com/office/drawing/2014/main" id="{716E6130-9E38-14BA-0356-3DE807A97FEA}"/>
+              </a:ext>
+            </a:extLst>
+          </p:cNvPr>
+          <p:cNvSpPr/>
+          <p:nvPr/>
+        </p:nvSpPr>
+        <p:spPr>
+          <a:xfrm>
+            <a:off x="2100872" y="2505670"/>
+            <a:ext cx="7990265" cy="923330"/>
+          </a:xfrm>
+          <a:prstGeom prst="rect">
+            <a:avLst/>
+          </a:prstGeom>
+          <a:noFill/>
+        </p:spPr>
+        <p:txBody>
+          <a:bodyPr wrap="none" lIns="91440" tIns="45720" rIns="91440" bIns="45720">
+            <a:spAutoFit/>
+          </a:bodyPr>
+          <a:lstStyle/>
+          <a:p>
+            <a:pPr algn="ctr"/>
+            <a:r>
+              <a:rPr lang="en-IN" sz="5400" b="1" cap="none" spc="0" dirty="0">
+                <a:ln w="22225">
+                  <a:solidFill>
+                    <a:schemeClr val="accent2"/>
+                  </a:solidFill>
+                  <a:prstDash val="solid"/>
+                </a:ln>
+                <a:solidFill>
+                  <a:schemeClr val="accent2">
+                    <a:lumMod val="40000"/>
+                    <a:lumOff val="60000"/>
+                  </a:schemeClr>
+                </a:solidFill>
+                <a:effectLst/>
+              </a:rPr>
+              <a:t>SEO and Core Web Vitals</a:t>
+            </a:r>
+          </a:p>
+        </p:txBody>
+      </p:sp>
+      <p:sp>
+        <p:nvSpPr>
+          <p:cNvPr id="7" name="Rectangle 6">
+            <a:extLst>
+              <a:ext uri="{FF2B5EF4-FFF2-40B4-BE49-F238E27FC236}">
+                <a16:creationId xmlns:a16="http://schemas.microsoft.com/office/drawing/2014/main" id="{943BF472-BF1E-7F5B-77FB-E10D11D6C611}"/>
+              </a:ext>
+            </a:extLst>
+          </p:cNvPr>
+          <p:cNvSpPr/>
+          <p:nvPr/>
+        </p:nvSpPr>
+        <p:spPr>
+          <a:xfrm>
+            <a:off x="5114800" y="3429000"/>
+            <a:ext cx="1962397" cy="923330"/>
+          </a:xfrm>
+          <a:prstGeom prst="rect">
+            <a:avLst/>
+          </a:prstGeom>
+          <a:noFill/>
+        </p:spPr>
+        <p:txBody>
+          <a:bodyPr wrap="none" lIns="91440" tIns="45720" rIns="91440" bIns="45720">
+            <a:spAutoFit/>
+          </a:bodyPr>
+          <a:lstStyle/>
+          <a:p>
+            <a:pPr algn="ctr"/>
+            <a:r>
+              <a:rPr lang="en-IN" sz="5400" b="1" cap="none" spc="0" dirty="0">
+                <a:ln w="12700" cmpd="sng">
+                  <a:solidFill>
+                    <a:schemeClr val="accent4"/>
+                  </a:solidFill>
+                  <a:prstDash val="solid"/>
+                </a:ln>
+                <a:gradFill>
+                  <a:gsLst>
+                    <a:gs pos="0">
+                      <a:schemeClr val="accent4"/>
+                    </a:gs>
+                    <a:gs pos="4000">
+                      <a:schemeClr val="accent4">
+                        <a:lumMod val="60000"/>
+                        <a:lumOff val="40000"/>
+                      </a:schemeClr>
+                    </a:gs>
+                    <a:gs pos="87000">
+                      <a:schemeClr val="accent4">
+                        <a:lumMod val="20000"/>
+                        <a:lumOff val="80000"/>
+                      </a:schemeClr>
+                    </a:gs>
+                  </a:gsLst>
+                  <a:lin ang="5400000"/>
+                </a:gradFill>
+                <a:effectLst/>
+              </a:rPr>
+              <a:t>HTML</a:t>
+            </a:r>
+          </a:p>
+        </p:txBody>
+      </p:sp>
+    </p:spTree>
+    <p:extLst>
+      <p:ext uri="{BB962C8B-B14F-4D97-AF65-F5344CB8AC3E}">
+        <p14:creationId xmlns:p14="http://schemas.microsoft.com/office/powerpoint/2010/main" val="3137818885"/>
+      </p:ext>
+    </p:extLst>
+  </p:cSld>
+  <p:clrMapOvr>
+    <a:masterClrMapping/>
+  </p:clrMapOvr>
+  <mc:AlternateContent xmlns:mc="http://schemas.openxmlformats.org/markup-compatibility/2006">
+    <mc:Choice xmlns:p14="http://schemas.microsoft.com/office/powerpoint/2010/main" Requires="p14">
+      <p:transition spd="slow" p14:dur="1500">
+        <p:split orient="vert"/>
+      </p:transition>
+    </mc:Choice>
+    <mc:Fallback>
+      <p:transition spd="slow">
+        <p:split orient="vert"/>
+      </p:transition>
+    </mc:Fallback>
+  </mc:AlternateContent>
+  <p:timing>
+    <p:tnLst>
+      <p:par>
+        <p:cTn id="1" dur="indefinite" restart="never" nodeType="tmRoot">
+          <p:childTnLst>
+            <p:seq concurrent="1" nextAc="seek">
+              <p:cTn id="2" dur="indefinite" nodeType="mainSeq">
+                <p:childTnLst>
+                  <p:par>
+                    <p:cTn id="3" fill="hold">
+                      <p:stCondLst>
+                        <p:cond delay="indefinite"/>
+                      </p:stCondLst>
+                      <p:childTnLst>
+                        <p:par>
+                          <p:cTn id="4" fill="hold">
+                            <p:stCondLst>
+                              <p:cond delay="0"/>
+                            </p:stCondLst>
+                            <p:childTnLst>
+                              <p:par>
+                                <p:cTn id="5" presetID="22" presetClass="entr" presetSubtype="4" fill="hold" grpId="0" nodeType="clickEffect">
+                                  <p:stCondLst>
+                                    <p:cond delay="0"/>
+                                  </p:stCondLst>
+                                  <p:childTnLst>
+                                    <p:set>
+                                      <p:cBhvr>
+                                        <p:cTn id="6" dur="1" fill="hold">
+                                          <p:stCondLst>
+                                            <p:cond delay="0"/>
+                                          </p:stCondLst>
+                                        </p:cTn>
+                                        <p:tgtEl>
+                                          <p:spTgt spid="4"/>
+                                        </p:tgtEl>
+                                        <p:attrNameLst>
+                                          <p:attrName>style.visibility</p:attrName>
+                                        </p:attrNameLst>
+                                      </p:cBhvr>
+                                      <p:to>
+                                        <p:strVal val="visible"/>
+                                      </p:to>
+                                    </p:set>
+                                    <p:animEffect transition="in" filter="wipe(down)">
+                                      <p:cBhvr>
+                                        <p:cTn id="7" dur="500"/>
+                                        <p:tgtEl>
+                                          <p:spTgt spid="4"/>
+                                        </p:tgtEl>
+                                      </p:cBhvr>
+                                    </p:animEffect>
+                                  </p:childTnLst>
+                                </p:cTn>
+                              </p:par>
+                            </p:childTnLst>
+                          </p:cTn>
+                        </p:par>
+                      </p:childTnLst>
+                    </p:cTn>
+                  </p:par>
+                  <p:par>
+                    <p:cTn id="8" fill="hold">
+                      <p:stCondLst>
+                        <p:cond delay="indefinite"/>
+                      </p:stCondLst>
+                      <p:childTnLst>
+                        <p:par>
+                          <p:cTn id="9" fill="hold">
+                            <p:stCondLst>
+                              <p:cond delay="0"/>
+                            </p:stCondLst>
+                            <p:childTnLst>
+                              <p:par>
+                                <p:cTn id="10" presetID="22" presetClass="entr" presetSubtype="4" fill="hold" nodeType="clickEffect">
+                                  <p:stCondLst>
+                                    <p:cond delay="0"/>
+                                  </p:stCondLst>
+                                  <p:childTnLst>
+                                    <p:set>
+                                      <p:cBhvr>
+                                        <p:cTn id="11" dur="1" fill="hold">
+                                          <p:stCondLst>
+                                            <p:cond delay="0"/>
+                                          </p:stCondLst>
+                                        </p:cTn>
+                                        <p:tgtEl>
+                                          <p:spTgt spid="7">
+                                            <p:txEl>
+                                              <p:pRg st="0" end="0"/>
+                                            </p:txEl>
+                                          </p:spTgt>
+                                        </p:tgtEl>
+                                        <p:attrNameLst>
+                                          <p:attrName>style.visibility</p:attrName>
+                                        </p:attrNameLst>
+                                      </p:cBhvr>
+                                      <p:to>
+                                        <p:strVal val="visible"/>
+                                      </p:to>
+                                    </p:set>
+                                    <p:animEffect transition="in" filter="wipe(down)">
+                                      <p:cBhvr>
+                                        <p:cTn id="12" dur="500"/>
+                                        <p:tgtEl>
+                                          <p:spTgt spid="7">
+                                            <p:txEl>
+                                              <p:pRg st="0" end="0"/>
+                                            </p:txEl>
+                                          </p:spTgt>
+                                        </p:tgtEl>
+                                      </p:cBhvr>
+                                    </p:animEffect>
+                                  </p:childTnLst>
+                                </p:cTn>
+                              </p:par>
+                            </p:childTnLst>
+                          </p:cTn>
+                        </p:par>
+                      </p:childTnLst>
+                    </p:cTn>
+                  </p:par>
+                </p:childTnLst>
+              </p:cTn>
+              <p:prevCondLst>
+                <p:cond evt="onPrev" delay="0">
+                  <p:tgtEl>
+                    <p:sldTgt/>
+                  </p:tgtEl>
+                </p:cond>
+              </p:prevCondLst>
+              <p:nextCondLst>
+                <p:cond evt="onNext" delay="0">
+                  <p:tgtEl>
+                    <p:sldTgt/>
+                  </p:tgtEl>
+                </p:cond>
+              </p:nextCondLst>
+            </p:seq>
+          </p:childTnLst>
+        </p:cTn>
+      </p:par>
+    </p:tnLst>
+    <p:bldLst>
+      <p:bldP spid="4" grpId="0"/>
+    </p:bldLst>
+  </p:timing>
+</p:sld>
+</file>
+
+<file path=ppt/slides/slide29.xml><?xml version="1.0" encoding="utf-8"?>
+<p:sld xmlns:a="http://schemas.openxmlformats.org/drawingml/2006/main" xmlns:r="http://schemas.openxmlformats.org/officeDocument/2006/relationships" xmlns:p="http://schemas.openxmlformats.org/presentationml/2006/main">
+  <p:cSld>
+    <p:spTree>
+      <p:nvGrpSpPr>
+        <p:cNvPr id="1" name="">
+          <a:extLst>
+            <a:ext uri="{FF2B5EF4-FFF2-40B4-BE49-F238E27FC236}">
+              <a16:creationId xmlns:a16="http://schemas.microsoft.com/office/drawing/2014/main" id="{E02DCD12-883E-D60C-9589-262122B33A40}"/>
+            </a:ext>
+          </a:extLst>
+        </p:cNvPr>
+        <p:cNvGrpSpPr/>
+        <p:nvPr/>
+      </p:nvGrpSpPr>
+      <p:grpSpPr>
+        <a:xfrm>
+          <a:off x="0" y="0"/>
+          <a:ext cx="0" cy="0"/>
+          <a:chOff x="0" y="0"/>
+          <a:chExt cx="0" cy="0"/>
+        </a:xfrm>
+      </p:grpSpPr>
+      <p:sp>
+        <p:nvSpPr>
+          <p:cNvPr id="2" name="Title 1">
+            <a:extLst>
+              <a:ext uri="{FF2B5EF4-FFF2-40B4-BE49-F238E27FC236}">
+                <a16:creationId xmlns:a16="http://schemas.microsoft.com/office/drawing/2014/main" id="{5BE36472-D111-C396-E59A-693832F348CF}"/>
+              </a:ext>
+            </a:extLst>
+          </p:cNvPr>
+          <p:cNvSpPr>
+            <a:spLocks noGrp="1"/>
+          </p:cNvSpPr>
+          <p:nvPr>
+            <p:ph type="title"/>
+          </p:nvPr>
+        </p:nvSpPr>
+        <p:spPr>
+          <a:xfrm>
+            <a:off x="838200" y="365126"/>
+            <a:ext cx="1924665" cy="960440"/>
+          </a:xfrm>
+        </p:spPr>
+        <p:txBody>
+          <a:bodyPr/>
+          <a:lstStyle/>
+          <a:p>
+            <a:r>
+              <a:rPr lang="en-IN" dirty="0">
+                <a:solidFill>
+                  <a:srgbClr val="00B0F0"/>
+                </a:solidFill>
+              </a:rPr>
+              <a:t>SEO</a:t>
+            </a:r>
+          </a:p>
+        </p:txBody>
+      </p:sp>
+      <p:sp>
+        <p:nvSpPr>
+          <p:cNvPr id="3" name="Content Placeholder 2">
+            <a:extLst>
+              <a:ext uri="{FF2B5EF4-FFF2-40B4-BE49-F238E27FC236}">
+                <a16:creationId xmlns:a16="http://schemas.microsoft.com/office/drawing/2014/main" id="{F3CDED11-294A-E9C5-8487-55C9092108B8}"/>
+              </a:ext>
+            </a:extLst>
+          </p:cNvPr>
+          <p:cNvSpPr>
+            <a:spLocks noGrp="1"/>
+          </p:cNvSpPr>
+          <p:nvPr>
+            <p:ph idx="1"/>
+          </p:nvPr>
+        </p:nvSpPr>
+        <p:spPr>
+          <a:xfrm>
+            <a:off x="838200" y="1504336"/>
+            <a:ext cx="10515600" cy="4576712"/>
+          </a:xfrm>
+        </p:spPr>
+        <p:txBody>
+          <a:bodyPr/>
+          <a:lstStyle/>
+          <a:p>
+            <a:r>
+              <a:rPr lang="en-IN" dirty="0"/>
+              <a:t>SEO stands for Search Engine Optimization</a:t>
+            </a:r>
+          </a:p>
+          <a:p>
+            <a:r>
+              <a:rPr lang="en-IN" dirty="0"/>
+              <a:t>SEO is used by every websites and by using this SEO, search engines like Google gives top priority to a website</a:t>
+            </a:r>
+          </a:p>
+          <a:p>
+            <a:r>
+              <a:rPr lang="en-IN" dirty="0"/>
+              <a:t>If there are two similar websites then the one who loads faster will get the higher priority</a:t>
+            </a:r>
+          </a:p>
+        </p:txBody>
+      </p:sp>
+      <p:sp>
+        <p:nvSpPr>
+          <p:cNvPr id="4" name="Footer Placeholder 3">
+            <a:extLst>
+              <a:ext uri="{FF2B5EF4-FFF2-40B4-BE49-F238E27FC236}">
+                <a16:creationId xmlns:a16="http://schemas.microsoft.com/office/drawing/2014/main" id="{4063A65F-7465-A3CC-2465-6ECDD3059080}"/>
+              </a:ext>
+            </a:extLst>
+          </p:cNvPr>
+          <p:cNvSpPr>
+            <a:spLocks noGrp="1"/>
+          </p:cNvSpPr>
+          <p:nvPr>
+            <p:ph type="ftr" sz="quarter" idx="11"/>
+          </p:nvPr>
+        </p:nvSpPr>
+        <p:spPr/>
+        <p:txBody>
+          <a:bodyPr/>
+          <a:lstStyle/>
+          <a:p>
+            <a:r>
+              <a:rPr lang="en-IN"/>
+              <a:t>By Kavya Prajapati</a:t>
+            </a:r>
+          </a:p>
+        </p:txBody>
+      </p:sp>
+    </p:spTree>
+    <p:extLst>
+      <p:ext uri="{BB962C8B-B14F-4D97-AF65-F5344CB8AC3E}">
+        <p14:creationId xmlns:p14="http://schemas.microsoft.com/office/powerpoint/2010/main" val="1946078457"/>
+      </p:ext>
+    </p:extLst>
+  </p:cSld>
+  <p:clrMapOvr>
+    <a:masterClrMapping/>
+  </p:clrMapOvr>
+  <mc:AlternateContent xmlns:mc="http://schemas.openxmlformats.org/markup-compatibility/2006">
+    <mc:Choice xmlns:p14="http://schemas.microsoft.com/office/powerpoint/2010/main" Requires="p14">
+      <p:transition spd="slow" p14:dur="1500">
+        <p:split orient="vert"/>
+      </p:transition>
+    </mc:Choice>
+    <mc:Fallback>
+      <p:transition spd="slow">
+        <p:split orient="vert"/>
+      </p:transition>
+    </mc:Fallback>
+  </mc:AlternateContent>
+  <p:timing>
+    <p:tnLst>
+      <p:par>
+        <p:cTn id="1" dur="indefinite" restart="never" nodeType="tmRoot">
+          <p:childTnLst>
+            <p:seq concurrent="1" nextAc="seek">
+              <p:cTn id="2" dur="indefinite" nodeType="mainSeq">
+                <p:childTnLst>
+                  <p:par>
+                    <p:cTn id="3" fill="hold">
+                      <p:stCondLst>
+                        <p:cond delay="indefinite"/>
+                      </p:stCondLst>
+                      <p:childTnLst>
+                        <p:par>
+                          <p:cTn id="4" fill="hold">
+                            <p:stCondLst>
+                              <p:cond delay="0"/>
+                            </p:stCondLst>
+                            <p:childTnLst>
+                              <p:par>
+                                <p:cTn id="5" presetID="22" presetClass="entr" presetSubtype="4" fill="hold" grpId="0" nodeType="clickEffect">
+                                  <p:stCondLst>
+                                    <p:cond delay="0"/>
+                                  </p:stCondLst>
+                                  <p:childTnLst>
+                                    <p:set>
+                                      <p:cBhvr>
+                                        <p:cTn id="6" dur="1" fill="hold">
+                                          <p:stCondLst>
+                                            <p:cond delay="0"/>
+                                          </p:stCondLst>
+                                        </p:cTn>
+                                        <p:tgtEl>
+                                          <p:spTgt spid="2"/>
+                                        </p:tgtEl>
+                                        <p:attrNameLst>
+                                          <p:attrName>style.visibility</p:attrName>
+                                        </p:attrNameLst>
+                                      </p:cBhvr>
+                                      <p:to>
+                                        <p:strVal val="visible"/>
+                                      </p:to>
+                                    </p:set>
+                                    <p:animEffect transition="in" filter="wipe(down)">
+                                      <p:cBhvr>
+                                        <p:cTn id="7" dur="500"/>
+                                        <p:tgtEl>
+                                          <p:spTgt spid="2"/>
+                                        </p:tgtEl>
+                                      </p:cBhvr>
+                                    </p:animEffect>
+                                  </p:childTnLst>
+                                </p:cTn>
+                              </p:par>
+                            </p:childTnLst>
+                          </p:cTn>
+                        </p:par>
+                      </p:childTnLst>
+                    </p:cTn>
+                  </p:par>
+                  <p:par>
+                    <p:cTn id="8" fill="hold">
+                      <p:stCondLst>
+                        <p:cond delay="indefinite"/>
+                      </p:stCondLst>
+                      <p:childTnLst>
+                        <p:par>
+                          <p:cTn id="9" fill="hold">
+                            <p:stCondLst>
+                              <p:cond delay="0"/>
+                            </p:stCondLst>
+                            <p:childTnLst>
+                              <p:par>
+                                <p:cTn id="10" presetID="42" presetClass="entr" presetSubtype="0" fill="hold" nodeType="clickEffect">
+                                  <p:stCondLst>
+                                    <p:cond delay="0"/>
+                                  </p:stCondLst>
+                                  <p:childTnLst>
+                                    <p:set>
+                                      <p:cBhvr>
+                                        <p:cTn id="11" dur="1" fill="hold">
+                                          <p:stCondLst>
+                                            <p:cond delay="0"/>
+                                          </p:stCondLst>
+                                        </p:cTn>
+                                        <p:tgtEl>
+                                          <p:spTgt spid="3">
+                                            <p:txEl>
+                                              <p:pRg st="0" end="0"/>
+                                            </p:txEl>
+                                          </p:spTgt>
+                                        </p:tgtEl>
+                                        <p:attrNameLst>
+                                          <p:attrName>style.visibility</p:attrName>
+                                        </p:attrNameLst>
+                                      </p:cBhvr>
+                                      <p:to>
+                                        <p:strVal val="visible"/>
+                                      </p:to>
+                                    </p:set>
+                                    <p:animEffect transition="in" filter="fade">
+                                      <p:cBhvr>
+                                        <p:cTn id="12" dur="1000"/>
+                                        <p:tgtEl>
+                                          <p:spTgt spid="3">
+                                            <p:txEl>
+                                              <p:pRg st="0" end="0"/>
+                                            </p:txEl>
+                                          </p:spTgt>
+                                        </p:tgtEl>
+                                      </p:cBhvr>
+                                    </p:animEffect>
+                                    <p:anim calcmode="lin" valueType="num">
+                                      <p:cBhvr>
+                                        <p:cTn id="13" dur="1000" fill="hold"/>
+                                        <p:tgtEl>
+                                          <p:spTgt spid="3">
+                                            <p:txEl>
+                                              <p:pRg st="0" end="0"/>
+                                            </p:txEl>
+                                          </p:spTgt>
+                                        </p:tgtEl>
+                                        <p:attrNameLst>
+                                          <p:attrName>ppt_x</p:attrName>
+                                        </p:attrNameLst>
+                                      </p:cBhvr>
+                                      <p:tavLst>
+                                        <p:tav tm="0">
+                                          <p:val>
+                                            <p:strVal val="#ppt_x"/>
+                                          </p:val>
+                                        </p:tav>
+                                        <p:tav tm="100000">
+                                          <p:val>
+                                            <p:strVal val="#ppt_x"/>
+                                          </p:val>
+                                        </p:tav>
+                                      </p:tavLst>
+                                    </p:anim>
+                                    <p:anim calcmode="lin" valueType="num">
+                                      <p:cBhvr>
+                                        <p:cTn id="14" dur="1000" fill="hold"/>
+                                        <p:tgtEl>
+                                          <p:spTgt spid="3">
+                                            <p:txEl>
+                                              <p:pRg st="0" end="0"/>
+                                            </p:txEl>
+                                          </p:spTgt>
+                                        </p:tgtEl>
+                                        <p:attrNameLst>
+                                          <p:attrName>ppt_y</p:attrName>
+                                        </p:attrNameLst>
+                                      </p:cBhvr>
+                                      <p:tavLst>
+                                        <p:tav tm="0">
+                                          <p:val>
+                                            <p:strVal val="#ppt_y+.1"/>
+                                          </p:val>
+                                        </p:tav>
+                                        <p:tav tm="100000">
+                                          <p:val>
+                                            <p:strVal val="#ppt_y"/>
+                                          </p:val>
+                                        </p:tav>
+                                      </p:tavLst>
+                                    </p:anim>
+                                  </p:childTnLst>
+                                </p:cTn>
+                              </p:par>
+                              <p:par>
+                                <p:cTn id="15" presetID="42" presetClass="entr" presetSubtype="0" fill="hold" nodeType="withEffect">
+                                  <p:stCondLst>
+                                    <p:cond delay="0"/>
+                                  </p:stCondLst>
+                                  <p:childTnLst>
+                                    <p:set>
+                                      <p:cBhvr>
+                                        <p:cTn id="16" dur="1" fill="hold">
+                                          <p:stCondLst>
+                                            <p:cond delay="0"/>
+                                          </p:stCondLst>
+                                        </p:cTn>
+                                        <p:tgtEl>
+                                          <p:spTgt spid="3">
+                                            <p:txEl>
+                                              <p:pRg st="1" end="1"/>
+                                            </p:txEl>
+                                          </p:spTgt>
+                                        </p:tgtEl>
+                                        <p:attrNameLst>
+                                          <p:attrName>style.visibility</p:attrName>
+                                        </p:attrNameLst>
+                                      </p:cBhvr>
+                                      <p:to>
+                                        <p:strVal val="visible"/>
+                                      </p:to>
+                                    </p:set>
+                                    <p:animEffect transition="in" filter="fade">
+                                      <p:cBhvr>
+                                        <p:cTn id="17" dur="1000"/>
+                                        <p:tgtEl>
+                                          <p:spTgt spid="3">
+                                            <p:txEl>
+                                              <p:pRg st="1" end="1"/>
+                                            </p:txEl>
+                                          </p:spTgt>
+                                        </p:tgtEl>
+                                      </p:cBhvr>
+                                    </p:animEffect>
+                                    <p:anim calcmode="lin" valueType="num">
+                                      <p:cBhvr>
+                                        <p:cTn id="18" dur="1000" fill="hold"/>
+                                        <p:tgtEl>
+                                          <p:spTgt spid="3">
+                                            <p:txEl>
+                                              <p:pRg st="1" end="1"/>
+                                            </p:txEl>
+                                          </p:spTgt>
+                                        </p:tgtEl>
+                                        <p:attrNameLst>
+                                          <p:attrName>ppt_x</p:attrName>
+                                        </p:attrNameLst>
+                                      </p:cBhvr>
+                                      <p:tavLst>
+                                        <p:tav tm="0">
+                                          <p:val>
+                                            <p:strVal val="#ppt_x"/>
+                                          </p:val>
+                                        </p:tav>
+                                        <p:tav tm="100000">
+                                          <p:val>
+                                            <p:strVal val="#ppt_x"/>
+                                          </p:val>
+                                        </p:tav>
+                                      </p:tavLst>
+                                    </p:anim>
+                                    <p:anim calcmode="lin" valueType="num">
+                                      <p:cBhvr>
+                                        <p:cTn id="19" dur="1000" fill="hold"/>
+                                        <p:tgtEl>
+                                          <p:spTgt spid="3">
+                                            <p:txEl>
+                                              <p:pRg st="1" end="1"/>
+                                            </p:txEl>
+                                          </p:spTgt>
+                                        </p:tgtEl>
+                                        <p:attrNameLst>
+                                          <p:attrName>ppt_y</p:attrName>
+                                        </p:attrNameLst>
+                                      </p:cBhvr>
+                                      <p:tavLst>
+                                        <p:tav tm="0">
+                                          <p:val>
+                                            <p:strVal val="#ppt_y+.1"/>
+                                          </p:val>
+                                        </p:tav>
+                                        <p:tav tm="100000">
+                                          <p:val>
+                                            <p:strVal val="#ppt_y"/>
+                                          </p:val>
+                                        </p:tav>
+                                      </p:tavLst>
+                                    </p:anim>
+                                  </p:childTnLst>
+                                </p:cTn>
+                              </p:par>
+                              <p:par>
+                                <p:cTn id="20" presetID="42" presetClass="entr" presetSubtype="0" fill="hold" nodeType="withEffect">
+                                  <p:stCondLst>
+                                    <p:cond delay="0"/>
+                                  </p:stCondLst>
+                                  <p:childTnLst>
+                                    <p:set>
+                                      <p:cBhvr>
+                                        <p:cTn id="21" dur="1" fill="hold">
+                                          <p:stCondLst>
+                                            <p:cond delay="0"/>
+                                          </p:stCondLst>
+                                        </p:cTn>
+                                        <p:tgtEl>
+                                          <p:spTgt spid="3">
+                                            <p:txEl>
+                                              <p:pRg st="2" end="2"/>
+                                            </p:txEl>
+                                          </p:spTgt>
+                                        </p:tgtEl>
+                                        <p:attrNameLst>
+                                          <p:attrName>style.visibility</p:attrName>
+                                        </p:attrNameLst>
+                                      </p:cBhvr>
+                                      <p:to>
+                                        <p:strVal val="visible"/>
+                                      </p:to>
+                                    </p:set>
+                                    <p:animEffect transition="in" filter="fade">
+                                      <p:cBhvr>
+                                        <p:cTn id="22" dur="1000"/>
+                                        <p:tgtEl>
+                                          <p:spTgt spid="3">
+                                            <p:txEl>
+                                              <p:pRg st="2" end="2"/>
+                                            </p:txEl>
+                                          </p:spTgt>
+                                        </p:tgtEl>
+                                      </p:cBhvr>
+                                    </p:animEffect>
+                                    <p:anim calcmode="lin" valueType="num">
+                                      <p:cBhvr>
+                                        <p:cTn id="23" dur="1000" fill="hold"/>
+                                        <p:tgtEl>
+                                          <p:spTgt spid="3">
+                                            <p:txEl>
+                                              <p:pRg st="2" end="2"/>
+                                            </p:txEl>
+                                          </p:spTgt>
+                                        </p:tgtEl>
+                                        <p:attrNameLst>
+                                          <p:attrName>ppt_x</p:attrName>
+                                        </p:attrNameLst>
+                                      </p:cBhvr>
+                                      <p:tavLst>
+                                        <p:tav tm="0">
+                                          <p:val>
+                                            <p:strVal val="#ppt_x"/>
+                                          </p:val>
+                                        </p:tav>
+                                        <p:tav tm="100000">
+                                          <p:val>
+                                            <p:strVal val="#ppt_x"/>
+                                          </p:val>
+                                        </p:tav>
+                                      </p:tavLst>
+                                    </p:anim>
+                                    <p:anim calcmode="lin" valueType="num">
+                                      <p:cBhvr>
+                                        <p:cTn id="24" dur="1000" fill="hold"/>
+                                        <p:tgtEl>
+                                          <p:spTgt spid="3">
+                                            <p:txEl>
+                                              <p:pRg st="2" end="2"/>
+                                            </p:txEl>
+                                          </p:spTgt>
+                                        </p:tgtEl>
+                                        <p:attrNameLst>
+                                          <p:attrName>ppt_y</p:attrName>
+                                        </p:attrNameLst>
+                                      </p:cBhvr>
+                                      <p:tavLst>
+                                        <p:tav tm="0">
+                                          <p:val>
+                                            <p:strVal val="#ppt_y+.1"/>
+                                          </p:val>
+                                        </p:tav>
+                                        <p:tav tm="100000">
+                                          <p:val>
+                                            <p:strVal val="#ppt_y"/>
+                                          </p:val>
+                                        </p:tav>
+                                      </p:tavLst>
+                                    </p:anim>
+                                  </p:childTnLst>
+                                </p:cTn>
+                              </p:par>
+                            </p:childTnLst>
+                          </p:cTn>
+                        </p:par>
+                      </p:childTnLst>
+                    </p:cTn>
+                  </p:par>
+                </p:childTnLst>
+              </p:cTn>
+              <p:prevCondLst>
+                <p:cond evt="onPrev" delay="0">
+                  <p:tgtEl>
+                    <p:sldTgt/>
+                  </p:tgtEl>
+                </p:cond>
+              </p:prevCondLst>
+              <p:nextCondLst>
+                <p:cond evt="onNext" delay="0">
+                  <p:tgtEl>
+                    <p:sldTgt/>
+                  </p:tgtEl>
+                </p:cond>
+              </p:nextCondLst>
+            </p:seq>
+          </p:childTnLst>
+        </p:cTn>
+      </p:par>
+    </p:tnLst>
+    <p:bldLst>
+      <p:bldP spid="2" grpId="0"/>
+    </p:bldLst>
+  </p:timing>
+</p:sld>
+</file>
+
 <file path=ppt/slides/slide3.xml><?xml version="1.0" encoding="utf-8"?>
 <p:sld xmlns:a="http://schemas.openxmlformats.org/drawingml/2006/main" xmlns:r="http://schemas.openxmlformats.org/officeDocument/2006/relationships" xmlns:p="http://schemas.openxmlformats.org/presentationml/2006/main">
   <p:cSld>
@@ -22355,6 +23545,1265 @@
                                           <p:spTgt spid="3">
                                             <p:txEl>
                                               <p:pRg st="2" end="2"/>
+                                            </p:txEl>
+                                          </p:spTgt>
+                                        </p:tgtEl>
+                                        <p:attrNameLst>
+                                          <p:attrName>ppt_y</p:attrName>
+                                        </p:attrNameLst>
+                                      </p:cBhvr>
+                                      <p:tavLst>
+                                        <p:tav tm="0">
+                                          <p:val>
+                                            <p:strVal val="#ppt_y+.1"/>
+                                          </p:val>
+                                        </p:tav>
+                                        <p:tav tm="100000">
+                                          <p:val>
+                                            <p:strVal val="#ppt_y"/>
+                                          </p:val>
+                                        </p:tav>
+                                      </p:tavLst>
+                                    </p:anim>
+                                  </p:childTnLst>
+                                </p:cTn>
+                              </p:par>
+                            </p:childTnLst>
+                          </p:cTn>
+                        </p:par>
+                      </p:childTnLst>
+                    </p:cTn>
+                  </p:par>
+                </p:childTnLst>
+              </p:cTn>
+              <p:prevCondLst>
+                <p:cond evt="onPrev" delay="0">
+                  <p:tgtEl>
+                    <p:sldTgt/>
+                  </p:tgtEl>
+                </p:cond>
+              </p:prevCondLst>
+              <p:nextCondLst>
+                <p:cond evt="onNext" delay="0">
+                  <p:tgtEl>
+                    <p:sldTgt/>
+                  </p:tgtEl>
+                </p:cond>
+              </p:nextCondLst>
+            </p:seq>
+          </p:childTnLst>
+        </p:cTn>
+      </p:par>
+    </p:tnLst>
+    <p:bldLst>
+      <p:bldP spid="2" grpId="0"/>
+    </p:bldLst>
+  </p:timing>
+</p:sld>
+</file>
+
+<file path=ppt/slides/slide30.xml><?xml version="1.0" encoding="utf-8"?>
+<p:sld xmlns:a="http://schemas.openxmlformats.org/drawingml/2006/main" xmlns:r="http://schemas.openxmlformats.org/officeDocument/2006/relationships" xmlns:p="http://schemas.openxmlformats.org/presentationml/2006/main">
+  <p:cSld>
+    <p:spTree>
+      <p:nvGrpSpPr>
+        <p:cNvPr id="1" name="">
+          <a:extLst>
+            <a:ext uri="{FF2B5EF4-FFF2-40B4-BE49-F238E27FC236}">
+              <a16:creationId xmlns:a16="http://schemas.microsoft.com/office/drawing/2014/main" id="{7AC45DB5-E467-C0D4-DDB9-58CCB4AC240F}"/>
+            </a:ext>
+          </a:extLst>
+        </p:cNvPr>
+        <p:cNvGrpSpPr/>
+        <p:nvPr/>
+      </p:nvGrpSpPr>
+      <p:grpSpPr>
+        <a:xfrm>
+          <a:off x="0" y="0"/>
+          <a:ext cx="0" cy="0"/>
+          <a:chOff x="0" y="0"/>
+          <a:chExt cx="0" cy="0"/>
+        </a:xfrm>
+      </p:grpSpPr>
+      <p:sp>
+        <p:nvSpPr>
+          <p:cNvPr id="2" name="Title 1">
+            <a:extLst>
+              <a:ext uri="{FF2B5EF4-FFF2-40B4-BE49-F238E27FC236}">
+                <a16:creationId xmlns:a16="http://schemas.microsoft.com/office/drawing/2014/main" id="{CD63CEB0-F244-D3E5-6F38-2261B602F62C}"/>
+              </a:ext>
+            </a:extLst>
+          </p:cNvPr>
+          <p:cNvSpPr>
+            <a:spLocks noGrp="1"/>
+          </p:cNvSpPr>
+          <p:nvPr>
+            <p:ph type="title"/>
+          </p:nvPr>
+        </p:nvSpPr>
+        <p:spPr>
+          <a:xfrm>
+            <a:off x="838200" y="365126"/>
+            <a:ext cx="3586316" cy="960440"/>
+          </a:xfrm>
+        </p:spPr>
+        <p:txBody>
+          <a:bodyPr>
+            <a:normAutofit fontScale="90000"/>
+          </a:bodyPr>
+          <a:lstStyle/>
+          <a:p>
+            <a:r>
+              <a:rPr lang="en-IN" dirty="0">
+                <a:solidFill>
+                  <a:srgbClr val="00B0F0"/>
+                </a:solidFill>
+              </a:rPr>
+              <a:t>Core Web Vitals</a:t>
+            </a:r>
+          </a:p>
+        </p:txBody>
+      </p:sp>
+      <p:sp>
+        <p:nvSpPr>
+          <p:cNvPr id="3" name="Content Placeholder 2">
+            <a:extLst>
+              <a:ext uri="{FF2B5EF4-FFF2-40B4-BE49-F238E27FC236}">
+                <a16:creationId xmlns:a16="http://schemas.microsoft.com/office/drawing/2014/main" id="{13DB33E1-CD87-9DB7-4C7D-AEE43BD46E29}"/>
+              </a:ext>
+            </a:extLst>
+          </p:cNvPr>
+          <p:cNvSpPr>
+            <a:spLocks noGrp="1"/>
+          </p:cNvSpPr>
+          <p:nvPr>
+            <p:ph idx="1"/>
+          </p:nvPr>
+        </p:nvSpPr>
+        <p:spPr>
+          <a:xfrm>
+            <a:off x="838200" y="1504336"/>
+            <a:ext cx="10515600" cy="4576712"/>
+          </a:xfrm>
+        </p:spPr>
+        <p:txBody>
+          <a:bodyPr/>
+          <a:lstStyle/>
+          <a:p>
+            <a:r>
+              <a:rPr lang="en-IN" dirty="0"/>
+              <a:t>When two websites have similar contents then Core web vitals is used for getting higher priority by Search Engine</a:t>
+            </a:r>
+          </a:p>
+          <a:p>
+            <a:pPr marL="514350" indent="-514350">
+              <a:buFont typeface="+mj-lt"/>
+              <a:buAutoNum type="arabicPeriod"/>
+            </a:pPr>
+            <a:r>
+              <a:rPr lang="en-IN" dirty="0"/>
+              <a:t>CLS (</a:t>
+            </a:r>
+            <a:r>
+              <a:rPr lang="en-IN" dirty="0" err="1"/>
+              <a:t>Cummulative</a:t>
+            </a:r>
+            <a:r>
+              <a:rPr lang="en-IN" dirty="0"/>
+              <a:t> Layout Shift) : We should have as less as possible shifts in our layout for better user experience</a:t>
+            </a:r>
+          </a:p>
+          <a:p>
+            <a:pPr marL="514350" indent="-514350">
+              <a:buFont typeface="+mj-lt"/>
+              <a:buAutoNum type="arabicPeriod"/>
+            </a:pPr>
+            <a:r>
+              <a:rPr lang="en-IN" dirty="0"/>
+              <a:t>LCP (Largest </a:t>
+            </a:r>
+            <a:r>
+              <a:rPr lang="en-IN" dirty="0" err="1"/>
+              <a:t>Contentful</a:t>
+            </a:r>
+            <a:r>
+              <a:rPr lang="en-IN" dirty="0"/>
+              <a:t> Paint) : Time taken to load the largest element, 2.5 seconds is ideal</a:t>
+            </a:r>
+          </a:p>
+          <a:p>
+            <a:pPr marL="514350" indent="-514350">
+              <a:buFont typeface="+mj-lt"/>
+              <a:buAutoNum type="arabicPeriod"/>
+            </a:pPr>
+            <a:r>
+              <a:rPr lang="en-IN" dirty="0"/>
+              <a:t>FID (First Input Delay) : time taken to process an input on website, less than 100 milliseconds is ideal</a:t>
+            </a:r>
+          </a:p>
+          <a:p>
+            <a:r>
+              <a:rPr lang="en-IN" dirty="0"/>
+              <a:t>All of these 3 can be measured by using inspect element in Browser</a:t>
+            </a:r>
+          </a:p>
+        </p:txBody>
+      </p:sp>
+      <p:sp>
+        <p:nvSpPr>
+          <p:cNvPr id="4" name="Footer Placeholder 3">
+            <a:extLst>
+              <a:ext uri="{FF2B5EF4-FFF2-40B4-BE49-F238E27FC236}">
+                <a16:creationId xmlns:a16="http://schemas.microsoft.com/office/drawing/2014/main" id="{51BA637E-44B8-BCA0-9AB4-2123D41EE117}"/>
+              </a:ext>
+            </a:extLst>
+          </p:cNvPr>
+          <p:cNvSpPr>
+            <a:spLocks noGrp="1"/>
+          </p:cNvSpPr>
+          <p:nvPr>
+            <p:ph type="ftr" sz="quarter" idx="11"/>
+          </p:nvPr>
+        </p:nvSpPr>
+        <p:spPr/>
+        <p:txBody>
+          <a:bodyPr/>
+          <a:lstStyle/>
+          <a:p>
+            <a:r>
+              <a:rPr lang="en-IN"/>
+              <a:t>By Kavya Prajapati</a:t>
+            </a:r>
+          </a:p>
+        </p:txBody>
+      </p:sp>
+    </p:spTree>
+    <p:extLst>
+      <p:ext uri="{BB962C8B-B14F-4D97-AF65-F5344CB8AC3E}">
+        <p14:creationId xmlns:p14="http://schemas.microsoft.com/office/powerpoint/2010/main" val="4213808422"/>
+      </p:ext>
+    </p:extLst>
+  </p:cSld>
+  <p:clrMapOvr>
+    <a:masterClrMapping/>
+  </p:clrMapOvr>
+  <mc:AlternateContent xmlns:mc="http://schemas.openxmlformats.org/markup-compatibility/2006">
+    <mc:Choice xmlns:p14="http://schemas.microsoft.com/office/powerpoint/2010/main" Requires="p14">
+      <p:transition spd="slow" p14:dur="1500">
+        <p:split orient="vert"/>
+      </p:transition>
+    </mc:Choice>
+    <mc:Fallback>
+      <p:transition spd="slow">
+        <p:split orient="vert"/>
+      </p:transition>
+    </mc:Fallback>
+  </mc:AlternateContent>
+  <p:timing>
+    <p:tnLst>
+      <p:par>
+        <p:cTn id="1" dur="indefinite" restart="never" nodeType="tmRoot">
+          <p:childTnLst>
+            <p:seq concurrent="1" nextAc="seek">
+              <p:cTn id="2" dur="indefinite" nodeType="mainSeq">
+                <p:childTnLst>
+                  <p:par>
+                    <p:cTn id="3" fill="hold">
+                      <p:stCondLst>
+                        <p:cond delay="indefinite"/>
+                      </p:stCondLst>
+                      <p:childTnLst>
+                        <p:par>
+                          <p:cTn id="4" fill="hold">
+                            <p:stCondLst>
+                              <p:cond delay="0"/>
+                            </p:stCondLst>
+                            <p:childTnLst>
+                              <p:par>
+                                <p:cTn id="5" presetID="22" presetClass="entr" presetSubtype="4" fill="hold" grpId="0" nodeType="clickEffect">
+                                  <p:stCondLst>
+                                    <p:cond delay="0"/>
+                                  </p:stCondLst>
+                                  <p:childTnLst>
+                                    <p:set>
+                                      <p:cBhvr>
+                                        <p:cTn id="6" dur="1" fill="hold">
+                                          <p:stCondLst>
+                                            <p:cond delay="0"/>
+                                          </p:stCondLst>
+                                        </p:cTn>
+                                        <p:tgtEl>
+                                          <p:spTgt spid="2"/>
+                                        </p:tgtEl>
+                                        <p:attrNameLst>
+                                          <p:attrName>style.visibility</p:attrName>
+                                        </p:attrNameLst>
+                                      </p:cBhvr>
+                                      <p:to>
+                                        <p:strVal val="visible"/>
+                                      </p:to>
+                                    </p:set>
+                                    <p:animEffect transition="in" filter="wipe(down)">
+                                      <p:cBhvr>
+                                        <p:cTn id="7" dur="500"/>
+                                        <p:tgtEl>
+                                          <p:spTgt spid="2"/>
+                                        </p:tgtEl>
+                                      </p:cBhvr>
+                                    </p:animEffect>
+                                  </p:childTnLst>
+                                </p:cTn>
+                              </p:par>
+                            </p:childTnLst>
+                          </p:cTn>
+                        </p:par>
+                      </p:childTnLst>
+                    </p:cTn>
+                  </p:par>
+                  <p:par>
+                    <p:cTn id="8" fill="hold">
+                      <p:stCondLst>
+                        <p:cond delay="indefinite"/>
+                      </p:stCondLst>
+                      <p:childTnLst>
+                        <p:par>
+                          <p:cTn id="9" fill="hold">
+                            <p:stCondLst>
+                              <p:cond delay="0"/>
+                            </p:stCondLst>
+                            <p:childTnLst>
+                              <p:par>
+                                <p:cTn id="10" presetID="42" presetClass="entr" presetSubtype="0" fill="hold" nodeType="clickEffect">
+                                  <p:stCondLst>
+                                    <p:cond delay="0"/>
+                                  </p:stCondLst>
+                                  <p:childTnLst>
+                                    <p:set>
+                                      <p:cBhvr>
+                                        <p:cTn id="11" dur="1" fill="hold">
+                                          <p:stCondLst>
+                                            <p:cond delay="0"/>
+                                          </p:stCondLst>
+                                        </p:cTn>
+                                        <p:tgtEl>
+                                          <p:spTgt spid="3">
+                                            <p:txEl>
+                                              <p:pRg st="0" end="0"/>
+                                            </p:txEl>
+                                          </p:spTgt>
+                                        </p:tgtEl>
+                                        <p:attrNameLst>
+                                          <p:attrName>style.visibility</p:attrName>
+                                        </p:attrNameLst>
+                                      </p:cBhvr>
+                                      <p:to>
+                                        <p:strVal val="visible"/>
+                                      </p:to>
+                                    </p:set>
+                                    <p:animEffect transition="in" filter="fade">
+                                      <p:cBhvr>
+                                        <p:cTn id="12" dur="1000"/>
+                                        <p:tgtEl>
+                                          <p:spTgt spid="3">
+                                            <p:txEl>
+                                              <p:pRg st="0" end="0"/>
+                                            </p:txEl>
+                                          </p:spTgt>
+                                        </p:tgtEl>
+                                      </p:cBhvr>
+                                    </p:animEffect>
+                                    <p:anim calcmode="lin" valueType="num">
+                                      <p:cBhvr>
+                                        <p:cTn id="13" dur="1000" fill="hold"/>
+                                        <p:tgtEl>
+                                          <p:spTgt spid="3">
+                                            <p:txEl>
+                                              <p:pRg st="0" end="0"/>
+                                            </p:txEl>
+                                          </p:spTgt>
+                                        </p:tgtEl>
+                                        <p:attrNameLst>
+                                          <p:attrName>ppt_x</p:attrName>
+                                        </p:attrNameLst>
+                                      </p:cBhvr>
+                                      <p:tavLst>
+                                        <p:tav tm="0">
+                                          <p:val>
+                                            <p:strVal val="#ppt_x"/>
+                                          </p:val>
+                                        </p:tav>
+                                        <p:tav tm="100000">
+                                          <p:val>
+                                            <p:strVal val="#ppt_x"/>
+                                          </p:val>
+                                        </p:tav>
+                                      </p:tavLst>
+                                    </p:anim>
+                                    <p:anim calcmode="lin" valueType="num">
+                                      <p:cBhvr>
+                                        <p:cTn id="14" dur="1000" fill="hold"/>
+                                        <p:tgtEl>
+                                          <p:spTgt spid="3">
+                                            <p:txEl>
+                                              <p:pRg st="0" end="0"/>
+                                            </p:txEl>
+                                          </p:spTgt>
+                                        </p:tgtEl>
+                                        <p:attrNameLst>
+                                          <p:attrName>ppt_y</p:attrName>
+                                        </p:attrNameLst>
+                                      </p:cBhvr>
+                                      <p:tavLst>
+                                        <p:tav tm="0">
+                                          <p:val>
+                                            <p:strVal val="#ppt_y+.1"/>
+                                          </p:val>
+                                        </p:tav>
+                                        <p:tav tm="100000">
+                                          <p:val>
+                                            <p:strVal val="#ppt_y"/>
+                                          </p:val>
+                                        </p:tav>
+                                      </p:tavLst>
+                                    </p:anim>
+                                  </p:childTnLst>
+                                </p:cTn>
+                              </p:par>
+                              <p:par>
+                                <p:cTn id="15" presetID="42" presetClass="entr" presetSubtype="0" fill="hold" nodeType="withEffect">
+                                  <p:stCondLst>
+                                    <p:cond delay="0"/>
+                                  </p:stCondLst>
+                                  <p:childTnLst>
+                                    <p:set>
+                                      <p:cBhvr>
+                                        <p:cTn id="16" dur="1" fill="hold">
+                                          <p:stCondLst>
+                                            <p:cond delay="0"/>
+                                          </p:stCondLst>
+                                        </p:cTn>
+                                        <p:tgtEl>
+                                          <p:spTgt spid="3">
+                                            <p:txEl>
+                                              <p:pRg st="1" end="1"/>
+                                            </p:txEl>
+                                          </p:spTgt>
+                                        </p:tgtEl>
+                                        <p:attrNameLst>
+                                          <p:attrName>style.visibility</p:attrName>
+                                        </p:attrNameLst>
+                                      </p:cBhvr>
+                                      <p:to>
+                                        <p:strVal val="visible"/>
+                                      </p:to>
+                                    </p:set>
+                                    <p:animEffect transition="in" filter="fade">
+                                      <p:cBhvr>
+                                        <p:cTn id="17" dur="1000"/>
+                                        <p:tgtEl>
+                                          <p:spTgt spid="3">
+                                            <p:txEl>
+                                              <p:pRg st="1" end="1"/>
+                                            </p:txEl>
+                                          </p:spTgt>
+                                        </p:tgtEl>
+                                      </p:cBhvr>
+                                    </p:animEffect>
+                                    <p:anim calcmode="lin" valueType="num">
+                                      <p:cBhvr>
+                                        <p:cTn id="18" dur="1000" fill="hold"/>
+                                        <p:tgtEl>
+                                          <p:spTgt spid="3">
+                                            <p:txEl>
+                                              <p:pRg st="1" end="1"/>
+                                            </p:txEl>
+                                          </p:spTgt>
+                                        </p:tgtEl>
+                                        <p:attrNameLst>
+                                          <p:attrName>ppt_x</p:attrName>
+                                        </p:attrNameLst>
+                                      </p:cBhvr>
+                                      <p:tavLst>
+                                        <p:tav tm="0">
+                                          <p:val>
+                                            <p:strVal val="#ppt_x"/>
+                                          </p:val>
+                                        </p:tav>
+                                        <p:tav tm="100000">
+                                          <p:val>
+                                            <p:strVal val="#ppt_x"/>
+                                          </p:val>
+                                        </p:tav>
+                                      </p:tavLst>
+                                    </p:anim>
+                                    <p:anim calcmode="lin" valueType="num">
+                                      <p:cBhvr>
+                                        <p:cTn id="19" dur="1000" fill="hold"/>
+                                        <p:tgtEl>
+                                          <p:spTgt spid="3">
+                                            <p:txEl>
+                                              <p:pRg st="1" end="1"/>
+                                            </p:txEl>
+                                          </p:spTgt>
+                                        </p:tgtEl>
+                                        <p:attrNameLst>
+                                          <p:attrName>ppt_y</p:attrName>
+                                        </p:attrNameLst>
+                                      </p:cBhvr>
+                                      <p:tavLst>
+                                        <p:tav tm="0">
+                                          <p:val>
+                                            <p:strVal val="#ppt_y+.1"/>
+                                          </p:val>
+                                        </p:tav>
+                                        <p:tav tm="100000">
+                                          <p:val>
+                                            <p:strVal val="#ppt_y"/>
+                                          </p:val>
+                                        </p:tav>
+                                      </p:tavLst>
+                                    </p:anim>
+                                  </p:childTnLst>
+                                </p:cTn>
+                              </p:par>
+                              <p:par>
+                                <p:cTn id="20" presetID="42" presetClass="entr" presetSubtype="0" fill="hold" nodeType="withEffect">
+                                  <p:stCondLst>
+                                    <p:cond delay="0"/>
+                                  </p:stCondLst>
+                                  <p:childTnLst>
+                                    <p:set>
+                                      <p:cBhvr>
+                                        <p:cTn id="21" dur="1" fill="hold">
+                                          <p:stCondLst>
+                                            <p:cond delay="0"/>
+                                          </p:stCondLst>
+                                        </p:cTn>
+                                        <p:tgtEl>
+                                          <p:spTgt spid="3">
+                                            <p:txEl>
+                                              <p:pRg st="2" end="2"/>
+                                            </p:txEl>
+                                          </p:spTgt>
+                                        </p:tgtEl>
+                                        <p:attrNameLst>
+                                          <p:attrName>style.visibility</p:attrName>
+                                        </p:attrNameLst>
+                                      </p:cBhvr>
+                                      <p:to>
+                                        <p:strVal val="visible"/>
+                                      </p:to>
+                                    </p:set>
+                                    <p:animEffect transition="in" filter="fade">
+                                      <p:cBhvr>
+                                        <p:cTn id="22" dur="1000"/>
+                                        <p:tgtEl>
+                                          <p:spTgt spid="3">
+                                            <p:txEl>
+                                              <p:pRg st="2" end="2"/>
+                                            </p:txEl>
+                                          </p:spTgt>
+                                        </p:tgtEl>
+                                      </p:cBhvr>
+                                    </p:animEffect>
+                                    <p:anim calcmode="lin" valueType="num">
+                                      <p:cBhvr>
+                                        <p:cTn id="23" dur="1000" fill="hold"/>
+                                        <p:tgtEl>
+                                          <p:spTgt spid="3">
+                                            <p:txEl>
+                                              <p:pRg st="2" end="2"/>
+                                            </p:txEl>
+                                          </p:spTgt>
+                                        </p:tgtEl>
+                                        <p:attrNameLst>
+                                          <p:attrName>ppt_x</p:attrName>
+                                        </p:attrNameLst>
+                                      </p:cBhvr>
+                                      <p:tavLst>
+                                        <p:tav tm="0">
+                                          <p:val>
+                                            <p:strVal val="#ppt_x"/>
+                                          </p:val>
+                                        </p:tav>
+                                        <p:tav tm="100000">
+                                          <p:val>
+                                            <p:strVal val="#ppt_x"/>
+                                          </p:val>
+                                        </p:tav>
+                                      </p:tavLst>
+                                    </p:anim>
+                                    <p:anim calcmode="lin" valueType="num">
+                                      <p:cBhvr>
+                                        <p:cTn id="24" dur="1000" fill="hold"/>
+                                        <p:tgtEl>
+                                          <p:spTgt spid="3">
+                                            <p:txEl>
+                                              <p:pRg st="2" end="2"/>
+                                            </p:txEl>
+                                          </p:spTgt>
+                                        </p:tgtEl>
+                                        <p:attrNameLst>
+                                          <p:attrName>ppt_y</p:attrName>
+                                        </p:attrNameLst>
+                                      </p:cBhvr>
+                                      <p:tavLst>
+                                        <p:tav tm="0">
+                                          <p:val>
+                                            <p:strVal val="#ppt_y+.1"/>
+                                          </p:val>
+                                        </p:tav>
+                                        <p:tav tm="100000">
+                                          <p:val>
+                                            <p:strVal val="#ppt_y"/>
+                                          </p:val>
+                                        </p:tav>
+                                      </p:tavLst>
+                                    </p:anim>
+                                  </p:childTnLst>
+                                </p:cTn>
+                              </p:par>
+                              <p:par>
+                                <p:cTn id="25" presetID="42" presetClass="entr" presetSubtype="0" fill="hold" nodeType="withEffect">
+                                  <p:stCondLst>
+                                    <p:cond delay="0"/>
+                                  </p:stCondLst>
+                                  <p:childTnLst>
+                                    <p:set>
+                                      <p:cBhvr>
+                                        <p:cTn id="26" dur="1" fill="hold">
+                                          <p:stCondLst>
+                                            <p:cond delay="0"/>
+                                          </p:stCondLst>
+                                        </p:cTn>
+                                        <p:tgtEl>
+                                          <p:spTgt spid="3">
+                                            <p:txEl>
+                                              <p:pRg st="3" end="3"/>
+                                            </p:txEl>
+                                          </p:spTgt>
+                                        </p:tgtEl>
+                                        <p:attrNameLst>
+                                          <p:attrName>style.visibility</p:attrName>
+                                        </p:attrNameLst>
+                                      </p:cBhvr>
+                                      <p:to>
+                                        <p:strVal val="visible"/>
+                                      </p:to>
+                                    </p:set>
+                                    <p:animEffect transition="in" filter="fade">
+                                      <p:cBhvr>
+                                        <p:cTn id="27" dur="1000"/>
+                                        <p:tgtEl>
+                                          <p:spTgt spid="3">
+                                            <p:txEl>
+                                              <p:pRg st="3" end="3"/>
+                                            </p:txEl>
+                                          </p:spTgt>
+                                        </p:tgtEl>
+                                      </p:cBhvr>
+                                    </p:animEffect>
+                                    <p:anim calcmode="lin" valueType="num">
+                                      <p:cBhvr>
+                                        <p:cTn id="28" dur="1000" fill="hold"/>
+                                        <p:tgtEl>
+                                          <p:spTgt spid="3">
+                                            <p:txEl>
+                                              <p:pRg st="3" end="3"/>
+                                            </p:txEl>
+                                          </p:spTgt>
+                                        </p:tgtEl>
+                                        <p:attrNameLst>
+                                          <p:attrName>ppt_x</p:attrName>
+                                        </p:attrNameLst>
+                                      </p:cBhvr>
+                                      <p:tavLst>
+                                        <p:tav tm="0">
+                                          <p:val>
+                                            <p:strVal val="#ppt_x"/>
+                                          </p:val>
+                                        </p:tav>
+                                        <p:tav tm="100000">
+                                          <p:val>
+                                            <p:strVal val="#ppt_x"/>
+                                          </p:val>
+                                        </p:tav>
+                                      </p:tavLst>
+                                    </p:anim>
+                                    <p:anim calcmode="lin" valueType="num">
+                                      <p:cBhvr>
+                                        <p:cTn id="29" dur="1000" fill="hold"/>
+                                        <p:tgtEl>
+                                          <p:spTgt spid="3">
+                                            <p:txEl>
+                                              <p:pRg st="3" end="3"/>
+                                            </p:txEl>
+                                          </p:spTgt>
+                                        </p:tgtEl>
+                                        <p:attrNameLst>
+                                          <p:attrName>ppt_y</p:attrName>
+                                        </p:attrNameLst>
+                                      </p:cBhvr>
+                                      <p:tavLst>
+                                        <p:tav tm="0">
+                                          <p:val>
+                                            <p:strVal val="#ppt_y+.1"/>
+                                          </p:val>
+                                        </p:tav>
+                                        <p:tav tm="100000">
+                                          <p:val>
+                                            <p:strVal val="#ppt_y"/>
+                                          </p:val>
+                                        </p:tav>
+                                      </p:tavLst>
+                                    </p:anim>
+                                  </p:childTnLst>
+                                </p:cTn>
+                              </p:par>
+                              <p:par>
+                                <p:cTn id="30" presetID="42" presetClass="entr" presetSubtype="0" fill="hold" nodeType="withEffect">
+                                  <p:stCondLst>
+                                    <p:cond delay="0"/>
+                                  </p:stCondLst>
+                                  <p:childTnLst>
+                                    <p:set>
+                                      <p:cBhvr>
+                                        <p:cTn id="31" dur="1" fill="hold">
+                                          <p:stCondLst>
+                                            <p:cond delay="0"/>
+                                          </p:stCondLst>
+                                        </p:cTn>
+                                        <p:tgtEl>
+                                          <p:spTgt spid="3">
+                                            <p:txEl>
+                                              <p:pRg st="4" end="4"/>
+                                            </p:txEl>
+                                          </p:spTgt>
+                                        </p:tgtEl>
+                                        <p:attrNameLst>
+                                          <p:attrName>style.visibility</p:attrName>
+                                        </p:attrNameLst>
+                                      </p:cBhvr>
+                                      <p:to>
+                                        <p:strVal val="visible"/>
+                                      </p:to>
+                                    </p:set>
+                                    <p:animEffect transition="in" filter="fade">
+                                      <p:cBhvr>
+                                        <p:cTn id="32" dur="1000"/>
+                                        <p:tgtEl>
+                                          <p:spTgt spid="3">
+                                            <p:txEl>
+                                              <p:pRg st="4" end="4"/>
+                                            </p:txEl>
+                                          </p:spTgt>
+                                        </p:tgtEl>
+                                      </p:cBhvr>
+                                    </p:animEffect>
+                                    <p:anim calcmode="lin" valueType="num">
+                                      <p:cBhvr>
+                                        <p:cTn id="33" dur="1000" fill="hold"/>
+                                        <p:tgtEl>
+                                          <p:spTgt spid="3">
+                                            <p:txEl>
+                                              <p:pRg st="4" end="4"/>
+                                            </p:txEl>
+                                          </p:spTgt>
+                                        </p:tgtEl>
+                                        <p:attrNameLst>
+                                          <p:attrName>ppt_x</p:attrName>
+                                        </p:attrNameLst>
+                                      </p:cBhvr>
+                                      <p:tavLst>
+                                        <p:tav tm="0">
+                                          <p:val>
+                                            <p:strVal val="#ppt_x"/>
+                                          </p:val>
+                                        </p:tav>
+                                        <p:tav tm="100000">
+                                          <p:val>
+                                            <p:strVal val="#ppt_x"/>
+                                          </p:val>
+                                        </p:tav>
+                                      </p:tavLst>
+                                    </p:anim>
+                                    <p:anim calcmode="lin" valueType="num">
+                                      <p:cBhvr>
+                                        <p:cTn id="34" dur="1000" fill="hold"/>
+                                        <p:tgtEl>
+                                          <p:spTgt spid="3">
+                                            <p:txEl>
+                                              <p:pRg st="4" end="4"/>
+                                            </p:txEl>
+                                          </p:spTgt>
+                                        </p:tgtEl>
+                                        <p:attrNameLst>
+                                          <p:attrName>ppt_y</p:attrName>
+                                        </p:attrNameLst>
+                                      </p:cBhvr>
+                                      <p:tavLst>
+                                        <p:tav tm="0">
+                                          <p:val>
+                                            <p:strVal val="#ppt_y+.1"/>
+                                          </p:val>
+                                        </p:tav>
+                                        <p:tav tm="100000">
+                                          <p:val>
+                                            <p:strVal val="#ppt_y"/>
+                                          </p:val>
+                                        </p:tav>
+                                      </p:tavLst>
+                                    </p:anim>
+                                  </p:childTnLst>
+                                </p:cTn>
+                              </p:par>
+                            </p:childTnLst>
+                          </p:cTn>
+                        </p:par>
+                      </p:childTnLst>
+                    </p:cTn>
+                  </p:par>
+                </p:childTnLst>
+              </p:cTn>
+              <p:prevCondLst>
+                <p:cond evt="onPrev" delay="0">
+                  <p:tgtEl>
+                    <p:sldTgt/>
+                  </p:tgtEl>
+                </p:cond>
+              </p:prevCondLst>
+              <p:nextCondLst>
+                <p:cond evt="onNext" delay="0">
+                  <p:tgtEl>
+                    <p:sldTgt/>
+                  </p:tgtEl>
+                </p:cond>
+              </p:nextCondLst>
+            </p:seq>
+          </p:childTnLst>
+        </p:cTn>
+      </p:par>
+    </p:tnLst>
+    <p:bldLst>
+      <p:bldP spid="2" grpId="0"/>
+    </p:bldLst>
+  </p:timing>
+</p:sld>
+</file>
+
+<file path=ppt/slides/slide31.xml><?xml version="1.0" encoding="utf-8"?>
+<p:sld xmlns:a="http://schemas.openxmlformats.org/drawingml/2006/main" xmlns:r="http://schemas.openxmlformats.org/officeDocument/2006/relationships" xmlns:p="http://schemas.openxmlformats.org/presentationml/2006/main">
+  <p:cSld>
+    <p:spTree>
+      <p:nvGrpSpPr>
+        <p:cNvPr id="1" name="">
+          <a:extLst>
+            <a:ext uri="{FF2B5EF4-FFF2-40B4-BE49-F238E27FC236}">
+              <a16:creationId xmlns:a16="http://schemas.microsoft.com/office/drawing/2014/main" id="{5A940493-B90E-7B15-4D0E-66F0C92F109C}"/>
+            </a:ext>
+          </a:extLst>
+        </p:cNvPr>
+        <p:cNvGrpSpPr/>
+        <p:nvPr/>
+      </p:nvGrpSpPr>
+      <p:grpSpPr>
+        <a:xfrm>
+          <a:off x="0" y="0"/>
+          <a:ext cx="0" cy="0"/>
+          <a:chOff x="0" y="0"/>
+          <a:chExt cx="0" cy="0"/>
+        </a:xfrm>
+      </p:grpSpPr>
+      <p:sp>
+        <p:nvSpPr>
+          <p:cNvPr id="2" name="Title 1">
+            <a:extLst>
+              <a:ext uri="{FF2B5EF4-FFF2-40B4-BE49-F238E27FC236}">
+                <a16:creationId xmlns:a16="http://schemas.microsoft.com/office/drawing/2014/main" id="{C3856CC9-3AAB-DEFB-76FA-1225F6FACEEE}"/>
+              </a:ext>
+            </a:extLst>
+          </p:cNvPr>
+          <p:cNvSpPr>
+            <a:spLocks noGrp="1"/>
+          </p:cNvSpPr>
+          <p:nvPr>
+            <p:ph type="title"/>
+          </p:nvPr>
+        </p:nvSpPr>
+        <p:spPr>
+          <a:xfrm>
+            <a:off x="838200" y="365126"/>
+            <a:ext cx="10301748" cy="960440"/>
+          </a:xfrm>
+        </p:spPr>
+        <p:txBody>
+          <a:bodyPr>
+            <a:normAutofit/>
+          </a:bodyPr>
+          <a:lstStyle/>
+          <a:p>
+            <a:r>
+              <a:rPr lang="en-IN" dirty="0">
+                <a:solidFill>
+                  <a:srgbClr val="00B0F0"/>
+                </a:solidFill>
+              </a:rPr>
+              <a:t>Meta Keywords and Description</a:t>
+            </a:r>
+          </a:p>
+        </p:txBody>
+      </p:sp>
+      <p:sp>
+        <p:nvSpPr>
+          <p:cNvPr id="3" name="Content Placeholder 2">
+            <a:extLst>
+              <a:ext uri="{FF2B5EF4-FFF2-40B4-BE49-F238E27FC236}">
+                <a16:creationId xmlns:a16="http://schemas.microsoft.com/office/drawing/2014/main" id="{44A955AF-3D16-909C-F327-4156C19D506E}"/>
+              </a:ext>
+            </a:extLst>
+          </p:cNvPr>
+          <p:cNvSpPr>
+            <a:spLocks noGrp="1"/>
+          </p:cNvSpPr>
+          <p:nvPr>
+            <p:ph idx="1"/>
+          </p:nvPr>
+        </p:nvSpPr>
+        <p:spPr>
+          <a:xfrm>
+            <a:off x="838200" y="1504336"/>
+            <a:ext cx="10515600" cy="4576712"/>
+          </a:xfrm>
+        </p:spPr>
+        <p:txBody>
+          <a:bodyPr/>
+          <a:lstStyle/>
+          <a:p>
+            <a:r>
+              <a:rPr lang="en-IN" dirty="0"/>
+              <a:t>In the meta tag, content value is used to show the content of your page to SEO so that it can provide good content to the user when the user search on Search Engine</a:t>
+            </a:r>
+          </a:p>
+          <a:p>
+            <a:r>
+              <a:rPr lang="en-IN" dirty="0"/>
+              <a:t>Meta keywords are deprecated now because many websites used to abuse it so now keywords are generated by SEO by parsing your webpage</a:t>
+            </a:r>
+          </a:p>
+        </p:txBody>
+      </p:sp>
+      <p:sp>
+        <p:nvSpPr>
+          <p:cNvPr id="4" name="Footer Placeholder 3">
+            <a:extLst>
+              <a:ext uri="{FF2B5EF4-FFF2-40B4-BE49-F238E27FC236}">
+                <a16:creationId xmlns:a16="http://schemas.microsoft.com/office/drawing/2014/main" id="{266AD9AE-5CDD-1EBE-DECF-2709D8170E83}"/>
+              </a:ext>
+            </a:extLst>
+          </p:cNvPr>
+          <p:cNvSpPr>
+            <a:spLocks noGrp="1"/>
+          </p:cNvSpPr>
+          <p:nvPr>
+            <p:ph type="ftr" sz="quarter" idx="11"/>
+          </p:nvPr>
+        </p:nvSpPr>
+        <p:spPr/>
+        <p:txBody>
+          <a:bodyPr/>
+          <a:lstStyle/>
+          <a:p>
+            <a:r>
+              <a:rPr lang="en-IN"/>
+              <a:t>By Kavya Prajapati</a:t>
+            </a:r>
+          </a:p>
+        </p:txBody>
+      </p:sp>
+    </p:spTree>
+    <p:extLst>
+      <p:ext uri="{BB962C8B-B14F-4D97-AF65-F5344CB8AC3E}">
+        <p14:creationId xmlns:p14="http://schemas.microsoft.com/office/powerpoint/2010/main" val="3624558593"/>
+      </p:ext>
+    </p:extLst>
+  </p:cSld>
+  <p:clrMapOvr>
+    <a:masterClrMapping/>
+  </p:clrMapOvr>
+  <mc:AlternateContent xmlns:mc="http://schemas.openxmlformats.org/markup-compatibility/2006">
+    <mc:Choice xmlns:p14="http://schemas.microsoft.com/office/powerpoint/2010/main" Requires="p14">
+      <p:transition spd="slow" p14:dur="1500">
+        <p:split orient="vert"/>
+      </p:transition>
+    </mc:Choice>
+    <mc:Fallback>
+      <p:transition spd="slow">
+        <p:split orient="vert"/>
+      </p:transition>
+    </mc:Fallback>
+  </mc:AlternateContent>
+  <p:timing>
+    <p:tnLst>
+      <p:par>
+        <p:cTn id="1" dur="indefinite" restart="never" nodeType="tmRoot">
+          <p:childTnLst>
+            <p:seq concurrent="1" nextAc="seek">
+              <p:cTn id="2" dur="indefinite" nodeType="mainSeq">
+                <p:childTnLst>
+                  <p:par>
+                    <p:cTn id="3" fill="hold">
+                      <p:stCondLst>
+                        <p:cond delay="indefinite"/>
+                      </p:stCondLst>
+                      <p:childTnLst>
+                        <p:par>
+                          <p:cTn id="4" fill="hold">
+                            <p:stCondLst>
+                              <p:cond delay="0"/>
+                            </p:stCondLst>
+                            <p:childTnLst>
+                              <p:par>
+                                <p:cTn id="5" presetID="22" presetClass="entr" presetSubtype="4" fill="hold" grpId="0" nodeType="clickEffect">
+                                  <p:stCondLst>
+                                    <p:cond delay="0"/>
+                                  </p:stCondLst>
+                                  <p:childTnLst>
+                                    <p:set>
+                                      <p:cBhvr>
+                                        <p:cTn id="6" dur="1" fill="hold">
+                                          <p:stCondLst>
+                                            <p:cond delay="0"/>
+                                          </p:stCondLst>
+                                        </p:cTn>
+                                        <p:tgtEl>
+                                          <p:spTgt spid="2"/>
+                                        </p:tgtEl>
+                                        <p:attrNameLst>
+                                          <p:attrName>style.visibility</p:attrName>
+                                        </p:attrNameLst>
+                                      </p:cBhvr>
+                                      <p:to>
+                                        <p:strVal val="visible"/>
+                                      </p:to>
+                                    </p:set>
+                                    <p:animEffect transition="in" filter="wipe(down)">
+                                      <p:cBhvr>
+                                        <p:cTn id="7" dur="500"/>
+                                        <p:tgtEl>
+                                          <p:spTgt spid="2"/>
+                                        </p:tgtEl>
+                                      </p:cBhvr>
+                                    </p:animEffect>
+                                  </p:childTnLst>
+                                </p:cTn>
+                              </p:par>
+                            </p:childTnLst>
+                          </p:cTn>
+                        </p:par>
+                      </p:childTnLst>
+                    </p:cTn>
+                  </p:par>
+                  <p:par>
+                    <p:cTn id="8" fill="hold">
+                      <p:stCondLst>
+                        <p:cond delay="indefinite"/>
+                      </p:stCondLst>
+                      <p:childTnLst>
+                        <p:par>
+                          <p:cTn id="9" fill="hold">
+                            <p:stCondLst>
+                              <p:cond delay="0"/>
+                            </p:stCondLst>
+                            <p:childTnLst>
+                              <p:par>
+                                <p:cTn id="10" presetID="42" presetClass="entr" presetSubtype="0" fill="hold" nodeType="clickEffect">
+                                  <p:stCondLst>
+                                    <p:cond delay="0"/>
+                                  </p:stCondLst>
+                                  <p:childTnLst>
+                                    <p:set>
+                                      <p:cBhvr>
+                                        <p:cTn id="11" dur="1" fill="hold">
+                                          <p:stCondLst>
+                                            <p:cond delay="0"/>
+                                          </p:stCondLst>
+                                        </p:cTn>
+                                        <p:tgtEl>
+                                          <p:spTgt spid="3">
+                                            <p:txEl>
+                                              <p:pRg st="0" end="0"/>
+                                            </p:txEl>
+                                          </p:spTgt>
+                                        </p:tgtEl>
+                                        <p:attrNameLst>
+                                          <p:attrName>style.visibility</p:attrName>
+                                        </p:attrNameLst>
+                                      </p:cBhvr>
+                                      <p:to>
+                                        <p:strVal val="visible"/>
+                                      </p:to>
+                                    </p:set>
+                                    <p:animEffect transition="in" filter="fade">
+                                      <p:cBhvr>
+                                        <p:cTn id="12" dur="1000"/>
+                                        <p:tgtEl>
+                                          <p:spTgt spid="3">
+                                            <p:txEl>
+                                              <p:pRg st="0" end="0"/>
+                                            </p:txEl>
+                                          </p:spTgt>
+                                        </p:tgtEl>
+                                      </p:cBhvr>
+                                    </p:animEffect>
+                                    <p:anim calcmode="lin" valueType="num">
+                                      <p:cBhvr>
+                                        <p:cTn id="13" dur="1000" fill="hold"/>
+                                        <p:tgtEl>
+                                          <p:spTgt spid="3">
+                                            <p:txEl>
+                                              <p:pRg st="0" end="0"/>
+                                            </p:txEl>
+                                          </p:spTgt>
+                                        </p:tgtEl>
+                                        <p:attrNameLst>
+                                          <p:attrName>ppt_x</p:attrName>
+                                        </p:attrNameLst>
+                                      </p:cBhvr>
+                                      <p:tavLst>
+                                        <p:tav tm="0">
+                                          <p:val>
+                                            <p:strVal val="#ppt_x"/>
+                                          </p:val>
+                                        </p:tav>
+                                        <p:tav tm="100000">
+                                          <p:val>
+                                            <p:strVal val="#ppt_x"/>
+                                          </p:val>
+                                        </p:tav>
+                                      </p:tavLst>
+                                    </p:anim>
+                                    <p:anim calcmode="lin" valueType="num">
+                                      <p:cBhvr>
+                                        <p:cTn id="14" dur="1000" fill="hold"/>
+                                        <p:tgtEl>
+                                          <p:spTgt spid="3">
+                                            <p:txEl>
+                                              <p:pRg st="0" end="0"/>
+                                            </p:txEl>
+                                          </p:spTgt>
+                                        </p:tgtEl>
+                                        <p:attrNameLst>
+                                          <p:attrName>ppt_y</p:attrName>
+                                        </p:attrNameLst>
+                                      </p:cBhvr>
+                                      <p:tavLst>
+                                        <p:tav tm="0">
+                                          <p:val>
+                                            <p:strVal val="#ppt_y+.1"/>
+                                          </p:val>
+                                        </p:tav>
+                                        <p:tav tm="100000">
+                                          <p:val>
+                                            <p:strVal val="#ppt_y"/>
+                                          </p:val>
+                                        </p:tav>
+                                      </p:tavLst>
+                                    </p:anim>
+                                  </p:childTnLst>
+                                </p:cTn>
+                              </p:par>
+                            </p:childTnLst>
+                          </p:cTn>
+                        </p:par>
+                      </p:childTnLst>
+                    </p:cTn>
+                  </p:par>
+                  <p:par>
+                    <p:cTn id="15" fill="hold">
+                      <p:stCondLst>
+                        <p:cond delay="indefinite"/>
+                      </p:stCondLst>
+                      <p:childTnLst>
+                        <p:par>
+                          <p:cTn id="16" fill="hold">
+                            <p:stCondLst>
+                              <p:cond delay="0"/>
+                            </p:stCondLst>
+                            <p:childTnLst>
+                              <p:par>
+                                <p:cTn id="17" presetID="42" presetClass="entr" presetSubtype="0" fill="hold" nodeType="clickEffect">
+                                  <p:stCondLst>
+                                    <p:cond delay="0"/>
+                                  </p:stCondLst>
+                                  <p:childTnLst>
+                                    <p:set>
+                                      <p:cBhvr>
+                                        <p:cTn id="18" dur="1" fill="hold">
+                                          <p:stCondLst>
+                                            <p:cond delay="0"/>
+                                          </p:stCondLst>
+                                        </p:cTn>
+                                        <p:tgtEl>
+                                          <p:spTgt spid="3">
+                                            <p:txEl>
+                                              <p:pRg st="1" end="1"/>
+                                            </p:txEl>
+                                          </p:spTgt>
+                                        </p:tgtEl>
+                                        <p:attrNameLst>
+                                          <p:attrName>style.visibility</p:attrName>
+                                        </p:attrNameLst>
+                                      </p:cBhvr>
+                                      <p:to>
+                                        <p:strVal val="visible"/>
+                                      </p:to>
+                                    </p:set>
+                                    <p:animEffect transition="in" filter="fade">
+                                      <p:cBhvr>
+                                        <p:cTn id="19" dur="1000"/>
+                                        <p:tgtEl>
+                                          <p:spTgt spid="3">
+                                            <p:txEl>
+                                              <p:pRg st="1" end="1"/>
+                                            </p:txEl>
+                                          </p:spTgt>
+                                        </p:tgtEl>
+                                      </p:cBhvr>
+                                    </p:animEffect>
+                                    <p:anim calcmode="lin" valueType="num">
+                                      <p:cBhvr>
+                                        <p:cTn id="20" dur="1000" fill="hold"/>
+                                        <p:tgtEl>
+                                          <p:spTgt spid="3">
+                                            <p:txEl>
+                                              <p:pRg st="1" end="1"/>
+                                            </p:txEl>
+                                          </p:spTgt>
+                                        </p:tgtEl>
+                                        <p:attrNameLst>
+                                          <p:attrName>ppt_x</p:attrName>
+                                        </p:attrNameLst>
+                                      </p:cBhvr>
+                                      <p:tavLst>
+                                        <p:tav tm="0">
+                                          <p:val>
+                                            <p:strVal val="#ppt_x"/>
+                                          </p:val>
+                                        </p:tav>
+                                        <p:tav tm="100000">
+                                          <p:val>
+                                            <p:strVal val="#ppt_x"/>
+                                          </p:val>
+                                        </p:tav>
+                                      </p:tavLst>
+                                    </p:anim>
+                                    <p:anim calcmode="lin" valueType="num">
+                                      <p:cBhvr>
+                                        <p:cTn id="21" dur="1000" fill="hold"/>
+                                        <p:tgtEl>
+                                          <p:spTgt spid="3">
+                                            <p:txEl>
+                                              <p:pRg st="1" end="1"/>
                                             </p:txEl>
                                           </p:spTgt>
                                         </p:tgtEl>
